--- a/ListTokenBP.pptx
+++ b/ListTokenBP.pptx
@@ -5,21 +5,22 @@
     <p:sldMasterId id="2147483648" r:id="rId1"/>
   </p:sldMasterIdLst>
   <p:notesMasterIdLst>
-    <p:notesMasterId r:id="rId11"/>
+    <p:notesMasterId r:id="rId12"/>
   </p:notesMasterIdLst>
   <p:handoutMasterIdLst>
-    <p:handoutMasterId r:id="rId12"/>
+    <p:handoutMasterId r:id="rId13"/>
   </p:handoutMasterIdLst>
   <p:sldIdLst>
     <p:sldId id="2681" r:id="rId2"/>
-    <p:sldId id="2618" r:id="rId3"/>
-    <p:sldId id="2679" r:id="rId4"/>
-    <p:sldId id="2619" r:id="rId5"/>
-    <p:sldId id="2673" r:id="rId6"/>
-    <p:sldId id="2674" r:id="rId7"/>
-    <p:sldId id="2680" r:id="rId8"/>
-    <p:sldId id="2675" r:id="rId9"/>
-    <p:sldId id="2670" r:id="rId10"/>
+    <p:sldId id="2682" r:id="rId3"/>
+    <p:sldId id="2618" r:id="rId4"/>
+    <p:sldId id="2679" r:id="rId5"/>
+    <p:sldId id="2619" r:id="rId6"/>
+    <p:sldId id="2673" r:id="rId7"/>
+    <p:sldId id="2674" r:id="rId8"/>
+    <p:sldId id="2680" r:id="rId9"/>
+    <p:sldId id="2675" r:id="rId10"/>
+    <p:sldId id="2670" r:id="rId11"/>
   </p:sldIdLst>
   <p:sldSz cx="24377650" cy="13716000"/>
   <p:notesSz cx="6858000" cy="9144000"/>
@@ -755,9 +756,49 @@
           <a:p>
             <a:r>
               <a:rPr lang="en-US" altLang="zh-CN" dirty="0"/>
-              <a:t>Start up is exciting, you bootstrap, or get money from angles VCs and other foundations, and finally you will scale up, and I think go to the public is </a:t>
+              <a:t>Start up is exciting, we might bootstrap, or start with angle investments or other VCs and foundations… if we do well, we probably scale up, and finally biggest milestone and the most exciting thing for most companies, is … I think is to go to the public.</a:t>
+            </a:r>
+          </a:p>
+          <a:p>
+            <a:endParaRPr lang="en-US" altLang="zh-CN" dirty="0"/>
+          </a:p>
+          <a:p>
+            <a:pPr marL="0" marR="0" lvl="0" indent="0" algn="l" defTabSz="914217" rtl="0" eaLnBrk="1" fontAlgn="auto" latinLnBrk="0" hangingPunct="1">
+              <a:lnSpc>
+                <a:spcPct val="100000"/>
+              </a:lnSpc>
+              <a:spcBef>
+                <a:spcPts val="0"/>
+              </a:spcBef>
+              <a:spcAft>
+                <a:spcPts val="0"/>
+              </a:spcAft>
+              <a:buClrTx/>
+              <a:buSzTx/>
+              <a:buFontTx/>
+              <a:buNone/>
+              <a:tabLst/>
+              <a:defRPr/>
+            </a:pPr>
+            <a:r>
+              <a:rPr lang="en-US" altLang="zh-CN" dirty="0"/>
+              <a:t>IPO is the way traditional companies raise capitals from the public, ICO is also a crowdfunding method, however that only exist for blockchain companies and they collect cryptocurrencies like Bitcoin or Ethereum rather than US dollars ,,,, in exchange for the company’s token rather than equity, because the investors think the company is </a:t>
+            </a:r>
+            <a:r>
+              <a:rPr lang="en-US" altLang="zh-CN" dirty="0" err="1"/>
+              <a:t>gonna</a:t>
+            </a:r>
+            <a:r>
+              <a:rPr lang="en-US" altLang="zh-CN" dirty="0"/>
+              <a:t> do well, and the token price will appreciate.</a:t>
             </a:r>
             <a:endParaRPr lang="zh-CN" altLang="en-US" dirty="0"/>
+          </a:p>
+          <a:p>
+            <a:endParaRPr lang="en-US" altLang="zh-CN" dirty="0"/>
+          </a:p>
+          <a:p>
+            <a:endParaRPr lang="en-US" altLang="zh-CN" dirty="0"/>
           </a:p>
         </p:txBody>
       </p:sp>
@@ -789,6 +830,191 @@
     <p:extLst>
       <p:ext uri="{BB962C8B-B14F-4D97-AF65-F5344CB8AC3E}">
         <p14:creationId xmlns:p14="http://schemas.microsoft.com/office/powerpoint/2010/main" val="160897296"/>
+      </p:ext>
+    </p:extLst>
+  </p:cSld>
+  <p:clrMapOvr>
+    <a:masterClrMapping/>
+  </p:clrMapOvr>
+</p:notes>
+</file>
+
+<file path=ppt/notesSlides/notesSlide10.xml><?xml version="1.0" encoding="utf-8"?>
+<p:notes xmlns:a="http://schemas.openxmlformats.org/drawingml/2006/main" xmlns:r="http://schemas.openxmlformats.org/officeDocument/2006/relationships" xmlns:p="http://schemas.openxmlformats.org/presentationml/2006/main">
+  <p:cSld>
+    <p:spTree>
+      <p:nvGrpSpPr>
+        <p:cNvPr id="1" name=""/>
+        <p:cNvGrpSpPr/>
+        <p:nvPr/>
+      </p:nvGrpSpPr>
+      <p:grpSpPr>
+        <a:xfrm>
+          <a:off x="0" y="0"/>
+          <a:ext cx="0" cy="0"/>
+          <a:chOff x="0" y="0"/>
+          <a:chExt cx="0" cy="0"/>
+        </a:xfrm>
+      </p:grpSpPr>
+      <p:sp>
+        <p:nvSpPr>
+          <p:cNvPr id="2" name="幻灯片图像占位符 1"/>
+          <p:cNvSpPr>
+            <a:spLocks noGrp="1" noRot="1" noChangeAspect="1"/>
+          </p:cNvSpPr>
+          <p:nvPr>
+            <p:ph type="sldImg"/>
+          </p:nvPr>
+        </p:nvSpPr>
+        <p:spPr/>
+      </p:sp>
+      <p:sp>
+        <p:nvSpPr>
+          <p:cNvPr id="3" name="备注占位符 2"/>
+          <p:cNvSpPr>
+            <a:spLocks noGrp="1"/>
+          </p:cNvSpPr>
+          <p:nvPr>
+            <p:ph type="body" idx="1"/>
+          </p:nvPr>
+        </p:nvSpPr>
+        <p:spPr/>
+        <p:txBody>
+          <a:bodyPr/>
+          <a:lstStyle/>
+          <a:p>
+            <a:r>
+              <a:rPr lang="zh-CN" altLang="en-US" dirty="0"/>
+              <a:t>这个是针对投资人的，但是不需要对</a:t>
+            </a:r>
+            <a:r>
+              <a:rPr lang="en-US" altLang="zh-CN" dirty="0"/>
+              <a:t>customer</a:t>
+            </a:r>
+            <a:r>
+              <a:rPr lang="zh-CN" altLang="en-US" dirty="0"/>
+              <a:t>说。</a:t>
+            </a:r>
+            <a:endParaRPr lang="en-US" altLang="zh-CN" dirty="0"/>
+          </a:p>
+          <a:p>
+            <a:r>
+              <a:rPr lang="zh-CN" altLang="en-US" dirty="0"/>
+              <a:t>了解自己的听众非常重要。</a:t>
+            </a:r>
+            <a:endParaRPr lang="en-US" altLang="zh-CN" dirty="0"/>
+          </a:p>
+          <a:p>
+            <a:endParaRPr lang="en-US" altLang="zh-CN" dirty="0"/>
+          </a:p>
+          <a:p>
+            <a:r>
+              <a:rPr lang="zh-CN" altLang="en-US" dirty="0"/>
+              <a:t>对</a:t>
+            </a:r>
+            <a:r>
+              <a:rPr lang="en-US" altLang="zh-CN" dirty="0"/>
+              <a:t>customer</a:t>
+            </a:r>
+            <a:r>
+              <a:rPr lang="zh-CN" altLang="en-US" dirty="0"/>
+              <a:t>说，</a:t>
+            </a:r>
+            <a:endParaRPr lang="en-US" altLang="zh-CN" dirty="0"/>
+          </a:p>
+          <a:p>
+            <a:r>
+              <a:rPr lang="zh-CN" altLang="en-US" dirty="0"/>
+              <a:t>有很多竞争， 你需要</a:t>
+            </a:r>
+            <a:r>
+              <a:rPr lang="en-US" altLang="zh-CN" dirty="0"/>
+              <a:t>marketing</a:t>
+            </a:r>
+            <a:r>
+              <a:rPr lang="zh-CN" altLang="en-US" dirty="0"/>
+              <a:t>。</a:t>
+            </a:r>
+            <a:r>
+              <a:rPr lang="en-US" altLang="zh-CN" dirty="0"/>
+              <a:t>Seriously</a:t>
+            </a:r>
+          </a:p>
+          <a:p>
+            <a:r>
+              <a:rPr lang="en-US" altLang="zh-CN" dirty="0"/>
+              <a:t>This </a:t>
+            </a:r>
+          </a:p>
+          <a:p>
+            <a:r>
+              <a:rPr lang="en-US" altLang="zh-CN" dirty="0"/>
+              <a:t>[</a:t>
+            </a:r>
+            <a:r>
+              <a:rPr lang="zh-CN" altLang="en-US" dirty="0"/>
+              <a:t>重要</a:t>
+            </a:r>
+            <a:r>
+              <a:rPr lang="en-US" altLang="zh-CN" dirty="0"/>
+              <a:t>] </a:t>
+            </a:r>
+            <a:r>
+              <a:rPr lang="zh-CN" altLang="en-US" dirty="0"/>
+              <a:t>要获取每个客户需要花多少钱？？</a:t>
+            </a:r>
+            <a:r>
+              <a:rPr lang="en-US" altLang="zh-CN" dirty="0"/>
+              <a:t>【</a:t>
+            </a:r>
+            <a:r>
+              <a:rPr lang="zh-CN" altLang="en-US" dirty="0"/>
+              <a:t>这一点很重要</a:t>
+            </a:r>
+            <a:r>
+              <a:rPr lang="en-US" altLang="zh-CN" dirty="0"/>
+              <a:t>】</a:t>
+            </a:r>
+          </a:p>
+          <a:p>
+            <a:endParaRPr lang="en-US" altLang="zh-CN" dirty="0"/>
+          </a:p>
+          <a:p>
+            <a:r>
+              <a:rPr lang="zh-CN" altLang="en-US" dirty="0"/>
+              <a:t>你已经帮助了多少人？？</a:t>
+            </a:r>
+          </a:p>
+        </p:txBody>
+      </p:sp>
+      <p:sp>
+        <p:nvSpPr>
+          <p:cNvPr id="4" name="灯片编号占位符 3"/>
+          <p:cNvSpPr>
+            <a:spLocks noGrp="1"/>
+          </p:cNvSpPr>
+          <p:nvPr>
+            <p:ph type="sldNum" sz="quarter" idx="10"/>
+          </p:nvPr>
+        </p:nvSpPr>
+        <p:spPr/>
+        <p:txBody>
+          <a:bodyPr/>
+          <a:lstStyle/>
+          <a:p>
+            <a:fld id="{006BE02D-20C0-F840-AFAC-BEA99C74FDC2}" type="slidenum">
+              <a:rPr lang="en-US" smtClean="0"/>
+              <a:pPr/>
+              <a:t>10</a:t>
+            </a:fld>
+            <a:endParaRPr lang="en-US" dirty="0"/>
+          </a:p>
+        </p:txBody>
+      </p:sp>
+    </p:spTree>
+    <p:extLst>
+      <p:ext uri="{BB962C8B-B14F-4D97-AF65-F5344CB8AC3E}">
+        <p14:creationId xmlns:p14="http://schemas.microsoft.com/office/powerpoint/2010/main" val="1691590185"/>
       </p:ext>
     </p:extLst>
   </p:cSld>
@@ -842,6 +1068,23 @@
           <a:bodyPr/>
           <a:lstStyle/>
           <a:p>
+            <a:pPr marL="0" marR="0" lvl="0" indent="0" algn="l" defTabSz="914217" rtl="0" eaLnBrk="1" fontAlgn="auto" latinLnBrk="0" hangingPunct="1">
+              <a:lnSpc>
+                <a:spcPct val="100000"/>
+              </a:lnSpc>
+              <a:spcBef>
+                <a:spcPts val="0"/>
+              </a:spcBef>
+              <a:spcAft>
+                <a:spcPts val="0"/>
+              </a:spcAft>
+              <a:buClrTx/>
+              <a:buSzTx/>
+              <a:buFontTx/>
+              <a:buNone/>
+              <a:tabLst/>
+              <a:defRPr/>
+            </a:pPr>
             <a:r>
               <a:rPr lang="en-US" altLang="zh-CN" sz="2400" kern="1200" dirty="0">
                 <a:solidFill>
@@ -852,126 +1095,11 @@
                 <a:ea typeface="+mn-ea"/>
                 <a:cs typeface="+mn-cs"/>
               </a:rPr>
-              <a:t>Hello everyone, this is ListToken.io, an IT company that serves blockchain companies. As Blockchain technology applied to traditional industries, many assets, entities, services are being valued with token. Token is a type of cryptocurrency; and blockchain companies use token to price their product or services, and customers pay token to get the product and services.</a:t>
-            </a:r>
-          </a:p>
-          <a:p>
-            <a:endParaRPr lang="en-US" altLang="zh-CN" sz="2400" kern="1200" dirty="0">
-              <a:solidFill>
-                <a:schemeClr val="tx1"/>
-              </a:solidFill>
-              <a:effectLst/>
-              <a:latin typeface="Calibri Light"/>
-              <a:ea typeface="+mn-ea"/>
-              <a:cs typeface="+mn-cs"/>
-            </a:endParaRPr>
-          </a:p>
-          <a:p>
-            <a:r>
-              <a:rPr lang="en-US" altLang="zh-CN" sz="2400" kern="1200" dirty="0">
-                <a:solidFill>
-                  <a:schemeClr val="tx1"/>
-                </a:solidFill>
-                <a:effectLst/>
-                <a:latin typeface="Calibri Light"/>
-                <a:ea typeface="+mn-ea"/>
-                <a:cs typeface="+mn-cs"/>
-              </a:rPr>
-              <a:t>But for blockchain companies to start use the token, it is not easy at all, and ListToken.io makes the Token Registration Exponentially easier.</a:t>
-            </a:r>
-          </a:p>
-          <a:p>
-            <a:endParaRPr lang="en-US" altLang="zh-CN" sz="2400" kern="1200" dirty="0">
-              <a:solidFill>
-                <a:schemeClr val="tx1"/>
-              </a:solidFill>
-              <a:effectLst/>
-              <a:latin typeface="Calibri Light"/>
-              <a:ea typeface="+mn-ea"/>
-              <a:cs typeface="+mn-cs"/>
-            </a:endParaRPr>
-          </a:p>
-          <a:p>
-            <a:r>
-              <a:rPr lang="en-US" altLang="zh-CN" sz="2400" kern="1200" dirty="0">
-                <a:solidFill>
-                  <a:schemeClr val="tx1"/>
-                </a:solidFill>
-                <a:effectLst/>
-                <a:latin typeface="Calibri Light"/>
-                <a:ea typeface="+mn-ea"/>
-                <a:cs typeface="+mn-cs"/>
-              </a:rPr>
-              <a:t> </a:t>
-            </a:r>
-            <a:r>
-              <a:rPr lang="zh-CN" altLang="en-US" sz="2400" kern="1200" dirty="0">
-                <a:solidFill>
-                  <a:schemeClr val="tx1"/>
-                </a:solidFill>
-                <a:effectLst/>
-                <a:latin typeface="Calibri Light"/>
-                <a:ea typeface="+mn-ea"/>
-                <a:cs typeface="+mn-cs"/>
-              </a:rPr>
-              <a:t>需要更强的开头</a:t>
-            </a:r>
-            <a:endParaRPr lang="en-US" altLang="zh-CN" sz="2400" kern="1200" dirty="0">
-              <a:solidFill>
-                <a:schemeClr val="tx1"/>
-              </a:solidFill>
-              <a:effectLst/>
-              <a:latin typeface="Calibri Light"/>
-              <a:ea typeface="+mn-ea"/>
-              <a:cs typeface="+mn-cs"/>
-            </a:endParaRPr>
-          </a:p>
-          <a:p>
-            <a:r>
-              <a:rPr lang="zh-CN" altLang="en-US" sz="2400" kern="1200" dirty="0">
-                <a:solidFill>
-                  <a:schemeClr val="tx1"/>
-                </a:solidFill>
-                <a:effectLst/>
-                <a:latin typeface="Calibri Light"/>
-                <a:ea typeface="+mn-ea"/>
-                <a:cs typeface="+mn-cs"/>
-              </a:rPr>
-              <a:t>网站不需要文字，</a:t>
-            </a:r>
-            <a:r>
-              <a:rPr lang="en-US" altLang="zh-CN" sz="2400" kern="1200" dirty="0">
-                <a:solidFill>
-                  <a:schemeClr val="tx1"/>
-                </a:solidFill>
-                <a:effectLst/>
-                <a:latin typeface="Calibri Light"/>
-                <a:ea typeface="+mn-ea"/>
-                <a:cs typeface="+mn-cs"/>
-              </a:rPr>
-              <a:t>ppt</a:t>
-            </a:r>
-            <a:r>
-              <a:rPr lang="zh-CN" altLang="en-US" sz="2400" kern="1200" dirty="0">
-                <a:solidFill>
-                  <a:schemeClr val="tx1"/>
-                </a:solidFill>
-                <a:effectLst/>
-                <a:latin typeface="Calibri Light"/>
-                <a:ea typeface="+mn-ea"/>
-                <a:cs typeface="+mn-cs"/>
-              </a:rPr>
-              <a:t>也要尽可能少的文字。</a:t>
-            </a:r>
-            <a:endParaRPr lang="en-US" altLang="zh-CN" sz="2400" kern="1200" dirty="0">
-              <a:solidFill>
-                <a:schemeClr val="tx1"/>
-              </a:solidFill>
-              <a:effectLst/>
-              <a:latin typeface="Calibri Light"/>
-              <a:ea typeface="+mn-ea"/>
-              <a:cs typeface="+mn-cs"/>
-            </a:endParaRPr>
+              <a:t>As Blockchain technology applied to traditional industries, many assets, entities, services are being valued with token. Token is a type of cryptocurrency; and blockchain companies use token to price their product or services, and customers pay token to get the product and services.</a:t>
+            </a:r>
+          </a:p>
+          <a:p>
+            <a:endParaRPr lang="zh-CN" altLang="en-US" dirty="0"/>
           </a:p>
         </p:txBody>
       </p:sp>
@@ -982,7 +1110,7 @@
             <a:spLocks noGrp="1"/>
           </p:cNvSpPr>
           <p:nvPr>
-            <p:ph type="sldNum" sz="quarter" idx="10"/>
+            <p:ph type="sldNum" sz="quarter" idx="5"/>
           </p:nvPr>
         </p:nvSpPr>
         <p:spPr/>
@@ -1002,7 +1130,7 @@
     </p:spTree>
     <p:extLst>
       <p:ext uri="{BB962C8B-B14F-4D97-AF65-F5344CB8AC3E}">
-        <p14:creationId xmlns:p14="http://schemas.microsoft.com/office/powerpoint/2010/main" val="633756582"/>
+        <p14:creationId xmlns:p14="http://schemas.microsoft.com/office/powerpoint/2010/main" val="4200110782"/>
       </p:ext>
     </p:extLst>
   </p:cSld>
@@ -1056,78 +1184,122 @@
           <a:bodyPr/>
           <a:lstStyle/>
           <a:p>
-            <a:r>
-              <a:rPr lang="en-US" altLang="zh-CN" dirty="0"/>
-              <a:t>Let’s talk about the problems</a:t>
-            </a:r>
-          </a:p>
-          <a:p>
-            <a:r>
-              <a:rPr lang="en-US" altLang="zh-CN" dirty="0"/>
-              <a:t>Firstly a blockchain company use ICO to raise capital. Compared to IPO, ICO stand for Initial coin offer and collect cryptocurrencies like Bitcoin or Ethereum. To do this, they have to register their token information on ICO list website, where most cryptocurrency investor will frequent for invest opportunity. But the registration process are very complicated, and those websites are blocked by Google. so New BC are hard to find them. </a:t>
-            </a:r>
-          </a:p>
-          <a:p>
-            <a:endParaRPr lang="en-US" altLang="zh-CN" dirty="0"/>
-          </a:p>
-          <a:p>
-            <a:r>
-              <a:rPr lang="zh-CN" altLang="en-US" dirty="0"/>
-              <a:t>为什么屏蔽了，他们做什么。日后需要</a:t>
-            </a:r>
-            <a:r>
-              <a:rPr lang="en-US" altLang="zh-CN" dirty="0"/>
-              <a:t>validate</a:t>
-            </a:r>
-            <a:r>
-              <a:rPr lang="zh-CN" altLang="en-US" dirty="0"/>
-              <a:t>单独加一个</a:t>
-            </a:r>
-            <a:r>
-              <a:rPr lang="en-US" altLang="zh-CN" dirty="0"/>
+            <a:endParaRPr lang="en-US" altLang="zh-CN" sz="2400" kern="1200" dirty="0">
+              <a:solidFill>
+                <a:schemeClr val="tx1"/>
+              </a:solidFill>
+              <a:effectLst/>
+              <a:latin typeface="Calibri Light"/>
+              <a:ea typeface="+mn-ea"/>
+              <a:cs typeface="+mn-cs"/>
+            </a:endParaRPr>
+          </a:p>
+          <a:p>
+            <a:r>
+              <a:rPr lang="en-US" altLang="zh-CN" sz="2400" kern="1200" dirty="0">
+                <a:solidFill>
+                  <a:schemeClr val="tx1"/>
+                </a:solidFill>
+                <a:effectLst/>
+                <a:latin typeface="Calibri Light"/>
+                <a:ea typeface="+mn-ea"/>
+                <a:cs typeface="+mn-cs"/>
+              </a:rPr>
+              <a:t>But for blockchain companies to start use the token, it is not easy at all, and ListToken.io makes the Token Registration Exponentially easier.</a:t>
+            </a:r>
+          </a:p>
+          <a:p>
+            <a:endParaRPr lang="en-US" altLang="zh-CN" sz="2400" kern="1200" dirty="0">
+              <a:solidFill>
+                <a:schemeClr val="tx1"/>
+              </a:solidFill>
+              <a:effectLst/>
+              <a:latin typeface="Calibri Light"/>
+              <a:ea typeface="+mn-ea"/>
+              <a:cs typeface="+mn-cs"/>
+            </a:endParaRPr>
+          </a:p>
+          <a:p>
+            <a:r>
+              <a:rPr lang="en-US" altLang="zh-CN" sz="2400" kern="1200" dirty="0">
+                <a:solidFill>
+                  <a:schemeClr val="tx1"/>
+                </a:solidFill>
+                <a:effectLst/>
+                <a:latin typeface="Calibri Light"/>
+                <a:ea typeface="+mn-ea"/>
+                <a:cs typeface="+mn-cs"/>
+              </a:rPr>
+              <a:t> </a:t>
+            </a:r>
+            <a:r>
+              <a:rPr lang="zh-CN" altLang="en-US" sz="2400" kern="1200" dirty="0">
+                <a:solidFill>
+                  <a:schemeClr val="tx1"/>
+                </a:solidFill>
+                <a:effectLst/>
+                <a:latin typeface="Calibri Light"/>
+                <a:ea typeface="+mn-ea"/>
+                <a:cs typeface="+mn-cs"/>
+              </a:rPr>
+              <a:t>需要更强的开头</a:t>
+            </a:r>
+            <a:endParaRPr lang="en-US" altLang="zh-CN" sz="2400" kern="1200" dirty="0">
+              <a:solidFill>
+                <a:schemeClr val="tx1"/>
+              </a:solidFill>
+              <a:effectLst/>
+              <a:latin typeface="Calibri Light"/>
+              <a:ea typeface="+mn-ea"/>
+              <a:cs typeface="+mn-cs"/>
+            </a:endParaRPr>
+          </a:p>
+          <a:p>
+            <a:r>
+              <a:rPr lang="zh-CN" altLang="en-US" sz="2400" kern="1200" dirty="0">
+                <a:solidFill>
+                  <a:schemeClr val="tx1"/>
+                </a:solidFill>
+                <a:effectLst/>
+                <a:latin typeface="Calibri Light"/>
+                <a:ea typeface="+mn-ea"/>
+                <a:cs typeface="+mn-cs"/>
+              </a:rPr>
+              <a:t>网站不需要文字，</a:t>
+            </a:r>
+            <a:r>
+              <a:rPr lang="en-US" altLang="zh-CN" sz="2400" kern="1200" dirty="0">
+                <a:solidFill>
+                  <a:schemeClr val="tx1"/>
+                </a:solidFill>
+                <a:effectLst/>
+                <a:latin typeface="Calibri Light"/>
+                <a:ea typeface="+mn-ea"/>
+                <a:cs typeface="+mn-cs"/>
+              </a:rPr>
               <a:t>ppt</a:t>
             </a:r>
             <a:r>
-              <a:rPr lang="zh-CN" altLang="en-US" dirty="0"/>
-              <a:t>来说这个</a:t>
-            </a:r>
-            <a:r>
-              <a:rPr lang="en-US" altLang="zh-CN" dirty="0"/>
-              <a:t>in addition</a:t>
-            </a:r>
-          </a:p>
-          <a:p>
-            <a:endParaRPr lang="en-US" altLang="zh-CN" dirty="0"/>
-          </a:p>
-          <a:p>
-            <a:r>
-              <a:rPr lang="en-US" altLang="zh-CN" dirty="0"/>
-              <a:t>Secondly, BC have to register token in all kinds of crypto wallets, if not, users’ wallet simply can’t recognize the token. So they can’t use the token.</a:t>
-            </a:r>
-          </a:p>
-          <a:p>
-            <a:r>
-              <a:rPr lang="en-US" altLang="zh-CN" dirty="0"/>
-              <a:t>Thirdly, BC need to register in Exchanges for </a:t>
-            </a:r>
-          </a:p>
-          <a:p>
-            <a:endParaRPr lang="en-US" altLang="zh-CN" dirty="0"/>
-          </a:p>
-          <a:p>
-            <a:r>
-              <a:rPr lang="en-US" altLang="zh-CN" dirty="0"/>
-              <a:t>Savage so you can apply many internet startup in </a:t>
-            </a:r>
-            <a:r>
-              <a:rPr lang="en-US" altLang="zh-CN" dirty="0" err="1"/>
-              <a:t>bc</a:t>
-            </a:r>
-            <a:r>
-              <a:rPr lang="en-US" altLang="zh-CN" dirty="0"/>
-              <a:t>.</a:t>
-            </a:r>
-            <a:endParaRPr lang="zh-CN" altLang="en-US" dirty="0"/>
+              <a:rPr lang="zh-CN" altLang="en-US" sz="2400" kern="1200" dirty="0">
+                <a:solidFill>
+                  <a:schemeClr val="tx1"/>
+                </a:solidFill>
+                <a:effectLst/>
+                <a:latin typeface="Calibri Light"/>
+                <a:ea typeface="+mn-ea"/>
+                <a:cs typeface="+mn-cs"/>
+              </a:rPr>
+              <a:t>也要尽可能少的文字。</a:t>
+            </a:r>
+            <a:endParaRPr lang="en-US" altLang="zh-CN" sz="2400" kern="1200" dirty="0">
+              <a:solidFill>
+                <a:schemeClr val="tx1"/>
+              </a:solidFill>
+              <a:effectLst/>
+              <a:latin typeface="Calibri Light"/>
+              <a:ea typeface="+mn-ea"/>
+              <a:cs typeface="+mn-cs"/>
+            </a:endParaRPr>
           </a:p>
         </p:txBody>
       </p:sp>
@@ -1158,7 +1330,7 @@
     </p:spTree>
     <p:extLst>
       <p:ext uri="{BB962C8B-B14F-4D97-AF65-F5344CB8AC3E}">
-        <p14:creationId xmlns:p14="http://schemas.microsoft.com/office/powerpoint/2010/main" val="2752789886"/>
+        <p14:creationId xmlns:p14="http://schemas.microsoft.com/office/powerpoint/2010/main" val="633756582"/>
       </p:ext>
     </p:extLst>
   </p:cSld>
@@ -1220,7 +1392,36 @@
           <a:p>
             <a:r>
               <a:rPr lang="en-US" altLang="zh-CN" dirty="0"/>
-              <a:t>Firstly a blockchain company use ICO to raise capital. Compared to IPO, ICO stand for Initial coin offer and collect cryptocurrencies like Bitcoin or Ethereum. To do this, they have to register their token information on ICO list website, where most cryptocurrency investor will frequent for invest opportunity. But the registration process are very complicated, and those websites are blocked by Google. so New BC are hard to find them.</a:t>
+              <a:t>To do this, they have to register their token information on ICO list website, where most cryptocurrency investor will frequent for invest opportunity. But the registration process are very complicated, and those websites are blocked by Google. so New BC are hard to find them. </a:t>
+            </a:r>
+          </a:p>
+          <a:p>
+            <a:endParaRPr lang="en-US" altLang="zh-CN" dirty="0"/>
+          </a:p>
+          <a:p>
+            <a:r>
+              <a:rPr lang="zh-CN" altLang="en-US" dirty="0"/>
+              <a:t>为什么屏蔽了，他们做什么。日后需要</a:t>
+            </a:r>
+            <a:r>
+              <a:rPr lang="en-US" altLang="zh-CN" dirty="0"/>
+              <a:t>validate</a:t>
+            </a:r>
+            <a:r>
+              <a:rPr lang="zh-CN" altLang="en-US" dirty="0"/>
+              <a:t>单独加一个</a:t>
+            </a:r>
+            <a:r>
+              <a:rPr lang="en-US" altLang="zh-CN" dirty="0"/>
+              <a:t>ppt</a:t>
+            </a:r>
+            <a:r>
+              <a:rPr lang="zh-CN" altLang="en-US" dirty="0"/>
+              <a:t>来说这个</a:t>
+            </a:r>
+            <a:r>
+              <a:rPr lang="en-US" altLang="zh-CN" dirty="0"/>
+              <a:t>in addition</a:t>
             </a:r>
           </a:p>
           <a:p>
@@ -1244,8 +1445,17 @@
           <a:p>
             <a:r>
               <a:rPr lang="en-US" altLang="zh-CN" dirty="0"/>
-              <a:t>BC companies might need register up to 60 ICO list Websites, Wallets and Exchanges. And quicker presentation Let’s call them IWEs</a:t>
-            </a:r>
+              <a:t>Savage so you can apply many internet startup in </a:t>
+            </a:r>
+            <a:r>
+              <a:rPr lang="en-US" altLang="zh-CN" dirty="0" err="1"/>
+              <a:t>bc</a:t>
+            </a:r>
+            <a:r>
+              <a:rPr lang="en-US" altLang="zh-CN" dirty="0"/>
+              <a:t>.</a:t>
+            </a:r>
+            <a:endParaRPr lang="zh-CN" altLang="en-US" dirty="0"/>
           </a:p>
         </p:txBody>
       </p:sp>
@@ -1276,7 +1486,7 @@
     </p:spTree>
     <p:extLst>
       <p:ext uri="{BB962C8B-B14F-4D97-AF65-F5344CB8AC3E}">
-        <p14:creationId xmlns:p14="http://schemas.microsoft.com/office/powerpoint/2010/main" val="2427568890"/>
+        <p14:creationId xmlns:p14="http://schemas.microsoft.com/office/powerpoint/2010/main" val="2752789886"/>
       </p:ext>
     </p:extLst>
   </p:cSld>
@@ -1330,171 +1540,40 @@
           <a:bodyPr/>
           <a:lstStyle/>
           <a:p>
-            <a:pPr marL="0" marR="0" lvl="0" indent="0" algn="l" defTabSz="914217" rtl="0" eaLnBrk="1" fontAlgn="auto" latinLnBrk="0" hangingPunct="1">
-              <a:lnSpc>
-                <a:spcPct val="100000"/>
-              </a:lnSpc>
-              <a:spcBef>
-                <a:spcPts val="0"/>
-              </a:spcBef>
-              <a:spcAft>
-                <a:spcPts val="0"/>
-              </a:spcAft>
-              <a:buClrTx/>
-              <a:buSzTx/>
-              <a:buFontTx/>
-              <a:buNone/>
-              <a:tabLst/>
-              <a:defRPr/>
-            </a:pPr>
-            <a:r>
-              <a:rPr lang="en-US" altLang="zh-CN" sz="2800" dirty="0"/>
-              <a:t>The solution is simple think of Kijiji or any other realtor website, </a:t>
-            </a:r>
-            <a:r>
-              <a:rPr lang="en-US" altLang="zh-CN" sz="2800" dirty="0">
-                <a:solidFill>
-                  <a:schemeClr val="tx2"/>
-                </a:solidFill>
-              </a:rPr>
-              <a:t>Companies register token information in our site, and we will help do the batch registration to our partner IWEs.</a:t>
-            </a:r>
-          </a:p>
-          <a:p>
-            <a:pPr marL="0" marR="0" lvl="0" indent="0" algn="l" defTabSz="914217" rtl="0" eaLnBrk="1" fontAlgn="auto" latinLnBrk="0" hangingPunct="1">
-              <a:lnSpc>
-                <a:spcPct val="100000"/>
-              </a:lnSpc>
-              <a:spcBef>
-                <a:spcPts val="0"/>
-              </a:spcBef>
-              <a:spcAft>
-                <a:spcPts val="0"/>
-              </a:spcAft>
-              <a:buClrTx/>
-              <a:buSzTx/>
-              <a:buFontTx/>
-              <a:buNone/>
-              <a:tabLst/>
-              <a:defRPr/>
-            </a:pPr>
-            <a:r>
-              <a:rPr lang="en-US" altLang="zh-CN" sz="2800" dirty="0">
-                <a:solidFill>
-                  <a:schemeClr val="tx2"/>
-                </a:solidFill>
-              </a:rPr>
-              <a:t>Kijiji</a:t>
-            </a:r>
-            <a:r>
-              <a:rPr lang="zh-CN" altLang="en-US" sz="2800" dirty="0">
-                <a:solidFill>
-                  <a:schemeClr val="tx2"/>
-                </a:solidFill>
-              </a:rPr>
-              <a:t>没有</a:t>
-            </a:r>
-            <a:r>
-              <a:rPr lang="en-US" altLang="zh-CN" sz="2800" dirty="0">
-                <a:solidFill>
-                  <a:schemeClr val="tx2"/>
-                </a:solidFill>
-              </a:rPr>
-              <a:t>registration</a:t>
-            </a:r>
-            <a:r>
-              <a:rPr lang="zh-CN" altLang="en-US" sz="2800" dirty="0">
-                <a:solidFill>
-                  <a:schemeClr val="tx2"/>
-                </a:solidFill>
-              </a:rPr>
-              <a:t>但是这里有。换个说法，</a:t>
-            </a:r>
-            <a:r>
-              <a:rPr lang="en-US" altLang="zh-CN" sz="2800" dirty="0">
-                <a:solidFill>
-                  <a:schemeClr val="tx2"/>
-                </a:solidFill>
-              </a:rPr>
-              <a:t>fill one form, you will get all your customer </a:t>
-            </a:r>
-            <a:r>
-              <a:rPr lang="zh-CN" altLang="en-US" sz="2800" dirty="0">
-                <a:solidFill>
-                  <a:schemeClr val="tx2"/>
-                </a:solidFill>
-              </a:rPr>
-              <a:t>结果导向。</a:t>
-            </a:r>
-            <a:endParaRPr lang="en-US" altLang="zh-CN" sz="2800" dirty="0">
-              <a:solidFill>
-                <a:schemeClr val="tx2"/>
-              </a:solidFill>
-            </a:endParaRPr>
-          </a:p>
-          <a:p>
-            <a:pPr marL="0" marR="0" lvl="0" indent="0" algn="l" defTabSz="914217" rtl="0" eaLnBrk="1" fontAlgn="auto" latinLnBrk="0" hangingPunct="1">
-              <a:lnSpc>
-                <a:spcPct val="100000"/>
-              </a:lnSpc>
-              <a:spcBef>
-                <a:spcPts val="0"/>
-              </a:spcBef>
-              <a:spcAft>
-                <a:spcPts val="0"/>
-              </a:spcAft>
-              <a:buClrTx/>
-              <a:buSzTx/>
-              <a:buFontTx/>
-              <a:buNone/>
-              <a:tabLst/>
-              <a:defRPr/>
-            </a:pPr>
-            <a:endParaRPr lang="en-US" altLang="zh-CN" sz="2800" dirty="0">
-              <a:solidFill>
-                <a:schemeClr val="tx2"/>
-              </a:solidFill>
-            </a:endParaRPr>
-          </a:p>
-          <a:p>
-            <a:pPr marL="0" marR="0" lvl="0" indent="0" algn="l" defTabSz="914217" rtl="0" eaLnBrk="1" fontAlgn="auto" latinLnBrk="0" hangingPunct="1">
-              <a:lnSpc>
-                <a:spcPct val="100000"/>
-              </a:lnSpc>
-              <a:spcBef>
-                <a:spcPts val="0"/>
-              </a:spcBef>
-              <a:spcAft>
-                <a:spcPts val="0"/>
-              </a:spcAft>
-              <a:buClrTx/>
-              <a:buSzTx/>
-              <a:buFontTx/>
-              <a:buNone/>
-              <a:tabLst/>
-              <a:defRPr/>
-            </a:pPr>
-            <a:r>
-              <a:rPr lang="en-US" altLang="zh-CN" sz="2800" dirty="0">
-                <a:solidFill>
-                  <a:schemeClr val="tx2"/>
-                </a:solidFill>
-              </a:rPr>
-              <a:t>ListToken also validate the token’s project, and provide an credible regulatory evaluation report for IWEs.</a:t>
-            </a:r>
-            <a:r>
-              <a:rPr lang="en-US" altLang="zh-CN" sz="3200" dirty="0">
-                <a:solidFill>
-                  <a:schemeClr val="tx2"/>
-                </a:solidFill>
-              </a:rPr>
-              <a:t> </a:t>
-            </a:r>
-            <a:r>
-              <a:rPr lang="en-US" altLang="zh-CN" sz="2800" dirty="0"/>
-              <a:t>We just filter out bad projects.</a:t>
-            </a:r>
-            <a:endParaRPr lang="zh-CN" altLang="en-US" sz="2800" dirty="0"/>
+            <a:r>
+              <a:rPr lang="en-US" altLang="zh-CN" dirty="0"/>
+              <a:t>Let’s talk about the problems</a:t>
+            </a:r>
+          </a:p>
+          <a:p>
+            <a:r>
+              <a:rPr lang="en-US" altLang="zh-CN" dirty="0"/>
+              <a:t>Firstly a blockchain company use ICO to raise capital. Compared to IPO, ICO stand for Initial coin offer and collect cryptocurrencies like Bitcoin or Ethereum. To do this, they have to register their token information on ICO list website, where most cryptocurrency investor will frequent for invest opportunity. But the registration process are very complicated, and those websites are blocked by Google. so New BC are hard to find them.</a:t>
+            </a:r>
+          </a:p>
+          <a:p>
+            <a:endParaRPr lang="en-US" altLang="zh-CN" dirty="0"/>
+          </a:p>
+          <a:p>
+            <a:r>
+              <a:rPr lang="en-US" altLang="zh-CN" dirty="0"/>
+              <a:t>Secondly, BC have to register token in all kinds of crypto wallets, if not, users’ wallet simply can’t recognize the token. So they can’t use the token.</a:t>
+            </a:r>
+          </a:p>
+          <a:p>
+            <a:r>
+              <a:rPr lang="en-US" altLang="zh-CN" dirty="0"/>
+              <a:t>Thirdly, BC need to register in Exchanges for </a:t>
+            </a:r>
+          </a:p>
+          <a:p>
+            <a:endParaRPr lang="en-US" altLang="zh-CN" dirty="0"/>
+          </a:p>
+          <a:p>
+            <a:r>
+              <a:rPr lang="en-US" altLang="zh-CN" dirty="0"/>
+              <a:t>BC companies might need register up to 60 ICO list Websites, Wallets and Exchanges. And quicker presentation Let’s call them IWEs</a:t>
+            </a:r>
           </a:p>
         </p:txBody>
       </p:sp>
@@ -1525,7 +1604,7 @@
     </p:spTree>
     <p:extLst>
       <p:ext uri="{BB962C8B-B14F-4D97-AF65-F5344CB8AC3E}">
-        <p14:creationId xmlns:p14="http://schemas.microsoft.com/office/powerpoint/2010/main" val="3608802938"/>
+        <p14:creationId xmlns:p14="http://schemas.microsoft.com/office/powerpoint/2010/main" val="2427568890"/>
       </p:ext>
     </p:extLst>
   </p:cSld>
@@ -1579,73 +1658,171 @@
           <a:bodyPr/>
           <a:lstStyle/>
           <a:p>
-            <a:r>
-              <a:rPr lang="en-US" altLang="zh-CN" dirty="0"/>
-              <a:t>So how does it work?</a:t>
-            </a:r>
-          </a:p>
-          <a:p>
-            <a:endParaRPr lang="en-US" altLang="zh-CN" dirty="0"/>
-          </a:p>
-          <a:p>
-            <a:r>
-              <a:rPr lang="en-US" altLang="zh-CN" dirty="0"/>
-              <a:t>ListToken provide one standard form, and use the front end coding to explain the Blockchain terminology.</a:t>
-            </a:r>
-          </a:p>
-          <a:p>
-            <a:r>
-              <a:rPr lang="en-US" altLang="zh-CN" dirty="0"/>
-              <a:t>After filling the form, ListToken will use APIs to automatically push the data to our partners, to do the registration.</a:t>
-            </a:r>
-          </a:p>
-          <a:p>
-            <a:r>
-              <a:rPr lang="en-US" altLang="zh-CN" dirty="0"/>
-              <a:t>Listtoken will register all existing IWEs and also new IWEs that pop up in the future, so that company won’t have to keep an eye for </a:t>
-            </a:r>
-          </a:p>
-          <a:p>
-            <a:endParaRPr lang="en-US" altLang="zh-CN" dirty="0"/>
-          </a:p>
-          <a:p>
-            <a:r>
-              <a:rPr lang="zh-CN" altLang="en-US" dirty="0"/>
-              <a:t>分开写更好，这样会不</a:t>
-            </a:r>
-            <a:r>
-              <a:rPr lang="en-US" altLang="zh-CN" dirty="0"/>
-              <a:t>confusing</a:t>
-            </a:r>
-          </a:p>
-          <a:p>
-            <a:r>
-              <a:rPr lang="zh-CN" altLang="en-US" dirty="0"/>
-              <a:t>用更多</a:t>
-            </a:r>
-            <a:r>
-              <a:rPr lang="en-US" altLang="zh-CN" dirty="0"/>
-              <a:t>slide</a:t>
-            </a:r>
-          </a:p>
-          <a:p>
-            <a:endParaRPr lang="en-US" altLang="zh-CN" dirty="0"/>
-          </a:p>
-          <a:p>
-            <a:r>
-              <a:rPr lang="en-US" altLang="zh-CN" dirty="0"/>
-              <a:t>Also we will charge each of out partners some money, and hire blockchain experts, and lawyers to do the validation and write the report. We will prepare a funding pool to take the liability for validation.</a:t>
-            </a:r>
-          </a:p>
-          <a:p>
-            <a:endParaRPr lang="en-US" altLang="zh-CN" dirty="0"/>
-          </a:p>
-          <a:p>
-            <a:r>
-              <a:rPr lang="en-US" altLang="zh-CN" dirty="0"/>
-              <a:t>So generally speaking, we connect the two group of people</a:t>
-            </a:r>
-            <a:endParaRPr lang="zh-CN" altLang="en-US" dirty="0"/>
+            <a:pPr marL="0" marR="0" lvl="0" indent="0" algn="l" defTabSz="914217" rtl="0" eaLnBrk="1" fontAlgn="auto" latinLnBrk="0" hangingPunct="1">
+              <a:lnSpc>
+                <a:spcPct val="100000"/>
+              </a:lnSpc>
+              <a:spcBef>
+                <a:spcPts val="0"/>
+              </a:spcBef>
+              <a:spcAft>
+                <a:spcPts val="0"/>
+              </a:spcAft>
+              <a:buClrTx/>
+              <a:buSzTx/>
+              <a:buFontTx/>
+              <a:buNone/>
+              <a:tabLst/>
+              <a:defRPr/>
+            </a:pPr>
+            <a:r>
+              <a:rPr lang="en-US" altLang="zh-CN" sz="2800" dirty="0"/>
+              <a:t>The solution is simple think of Kijiji or any other realtor website, </a:t>
+            </a:r>
+            <a:r>
+              <a:rPr lang="en-US" altLang="zh-CN" sz="2800" dirty="0">
+                <a:solidFill>
+                  <a:schemeClr val="tx2"/>
+                </a:solidFill>
+              </a:rPr>
+              <a:t>Companies register token information in our site, and we will help do the batch registration to our partner IWEs.</a:t>
+            </a:r>
+          </a:p>
+          <a:p>
+            <a:pPr marL="0" marR="0" lvl="0" indent="0" algn="l" defTabSz="914217" rtl="0" eaLnBrk="1" fontAlgn="auto" latinLnBrk="0" hangingPunct="1">
+              <a:lnSpc>
+                <a:spcPct val="100000"/>
+              </a:lnSpc>
+              <a:spcBef>
+                <a:spcPts val="0"/>
+              </a:spcBef>
+              <a:spcAft>
+                <a:spcPts val="0"/>
+              </a:spcAft>
+              <a:buClrTx/>
+              <a:buSzTx/>
+              <a:buFontTx/>
+              <a:buNone/>
+              <a:tabLst/>
+              <a:defRPr/>
+            </a:pPr>
+            <a:r>
+              <a:rPr lang="en-US" altLang="zh-CN" sz="2800" dirty="0">
+                <a:solidFill>
+                  <a:schemeClr val="tx2"/>
+                </a:solidFill>
+              </a:rPr>
+              <a:t>Kijiji</a:t>
+            </a:r>
+            <a:r>
+              <a:rPr lang="zh-CN" altLang="en-US" sz="2800" dirty="0">
+                <a:solidFill>
+                  <a:schemeClr val="tx2"/>
+                </a:solidFill>
+              </a:rPr>
+              <a:t>没有</a:t>
+            </a:r>
+            <a:r>
+              <a:rPr lang="en-US" altLang="zh-CN" sz="2800" dirty="0">
+                <a:solidFill>
+                  <a:schemeClr val="tx2"/>
+                </a:solidFill>
+              </a:rPr>
+              <a:t>registration</a:t>
+            </a:r>
+            <a:r>
+              <a:rPr lang="zh-CN" altLang="en-US" sz="2800" dirty="0">
+                <a:solidFill>
+                  <a:schemeClr val="tx2"/>
+                </a:solidFill>
+              </a:rPr>
+              <a:t>但是这里有。换个说法，</a:t>
+            </a:r>
+            <a:r>
+              <a:rPr lang="en-US" altLang="zh-CN" sz="2800" dirty="0">
+                <a:solidFill>
+                  <a:schemeClr val="tx2"/>
+                </a:solidFill>
+              </a:rPr>
+              <a:t>fill one form, you will get all your customer </a:t>
+            </a:r>
+            <a:r>
+              <a:rPr lang="zh-CN" altLang="en-US" sz="2800" dirty="0">
+                <a:solidFill>
+                  <a:schemeClr val="tx2"/>
+                </a:solidFill>
+              </a:rPr>
+              <a:t>结果导向。</a:t>
+            </a:r>
+            <a:endParaRPr lang="en-US" altLang="zh-CN" sz="2800" dirty="0">
+              <a:solidFill>
+                <a:schemeClr val="tx2"/>
+              </a:solidFill>
+            </a:endParaRPr>
+          </a:p>
+          <a:p>
+            <a:pPr marL="0" marR="0" lvl="0" indent="0" algn="l" defTabSz="914217" rtl="0" eaLnBrk="1" fontAlgn="auto" latinLnBrk="0" hangingPunct="1">
+              <a:lnSpc>
+                <a:spcPct val="100000"/>
+              </a:lnSpc>
+              <a:spcBef>
+                <a:spcPts val="0"/>
+              </a:spcBef>
+              <a:spcAft>
+                <a:spcPts val="0"/>
+              </a:spcAft>
+              <a:buClrTx/>
+              <a:buSzTx/>
+              <a:buFontTx/>
+              <a:buNone/>
+              <a:tabLst/>
+              <a:defRPr/>
+            </a:pPr>
+            <a:endParaRPr lang="en-US" altLang="zh-CN" sz="2800" dirty="0">
+              <a:solidFill>
+                <a:schemeClr val="tx2"/>
+              </a:solidFill>
+            </a:endParaRPr>
+          </a:p>
+          <a:p>
+            <a:pPr marL="0" marR="0" lvl="0" indent="0" algn="l" defTabSz="914217" rtl="0" eaLnBrk="1" fontAlgn="auto" latinLnBrk="0" hangingPunct="1">
+              <a:lnSpc>
+                <a:spcPct val="100000"/>
+              </a:lnSpc>
+              <a:spcBef>
+                <a:spcPts val="0"/>
+              </a:spcBef>
+              <a:spcAft>
+                <a:spcPts val="0"/>
+              </a:spcAft>
+              <a:buClrTx/>
+              <a:buSzTx/>
+              <a:buFontTx/>
+              <a:buNone/>
+              <a:tabLst/>
+              <a:defRPr/>
+            </a:pPr>
+            <a:r>
+              <a:rPr lang="en-US" altLang="zh-CN" sz="2800" dirty="0">
+                <a:solidFill>
+                  <a:schemeClr val="tx2"/>
+                </a:solidFill>
+              </a:rPr>
+              <a:t>ListToken also validate the token’s project, and provide an credible regulatory evaluation report for IWEs.</a:t>
+            </a:r>
+            <a:r>
+              <a:rPr lang="en-US" altLang="zh-CN" sz="3200" dirty="0">
+                <a:solidFill>
+                  <a:schemeClr val="tx2"/>
+                </a:solidFill>
+              </a:rPr>
+              <a:t> </a:t>
+            </a:r>
+            <a:r>
+              <a:rPr lang="en-US" altLang="zh-CN" sz="2800" dirty="0"/>
+              <a:t>We just filter out bad projects.</a:t>
+            </a:r>
+            <a:endParaRPr lang="zh-CN" altLang="en-US" sz="2800" dirty="0"/>
           </a:p>
         </p:txBody>
       </p:sp>
@@ -1676,7 +1853,7 @@
     </p:spTree>
     <p:extLst>
       <p:ext uri="{BB962C8B-B14F-4D97-AF65-F5344CB8AC3E}">
-        <p14:creationId xmlns:p14="http://schemas.microsoft.com/office/powerpoint/2010/main" val="465720486"/>
+        <p14:creationId xmlns:p14="http://schemas.microsoft.com/office/powerpoint/2010/main" val="3608802938"/>
       </p:ext>
     </p:extLst>
   </p:cSld>
@@ -1827,7 +2004,7 @@
     </p:spTree>
     <p:extLst>
       <p:ext uri="{BB962C8B-B14F-4D97-AF65-F5344CB8AC3E}">
-        <p14:creationId xmlns:p14="http://schemas.microsoft.com/office/powerpoint/2010/main" val="2448799054"/>
+        <p14:creationId xmlns:p14="http://schemas.microsoft.com/office/powerpoint/2010/main" val="465720486"/>
       </p:ext>
     </p:extLst>
   </p:cSld>
@@ -1883,58 +2060,71 @@
           <a:p>
             <a:r>
               <a:rPr lang="en-US" altLang="zh-CN" dirty="0"/>
-              <a:t>The VP </a:t>
-            </a:r>
+              <a:t>So how does it work?</a:t>
+            </a:r>
+          </a:p>
+          <a:p>
+            <a:endParaRPr lang="en-US" altLang="zh-CN" dirty="0"/>
+          </a:p>
+          <a:p>
+            <a:r>
+              <a:rPr lang="en-US" altLang="zh-CN" dirty="0"/>
+              <a:t>ListToken provide one standard form, and use the front end coding to explain the Blockchain terminology.</a:t>
+            </a:r>
+          </a:p>
+          <a:p>
+            <a:r>
+              <a:rPr lang="en-US" altLang="zh-CN" dirty="0"/>
+              <a:t>After filling the form, ListToken will use APIs to automatically push the data to our partners, to do the registration.</a:t>
+            </a:r>
+          </a:p>
+          <a:p>
+            <a:r>
+              <a:rPr lang="en-US" altLang="zh-CN" dirty="0"/>
+              <a:t>Listtoken will register all existing IWEs and also new IWEs that pop up in the future, so that company won’t have to keep an eye for </a:t>
+            </a:r>
+          </a:p>
+          <a:p>
+            <a:endParaRPr lang="en-US" altLang="zh-CN" dirty="0"/>
+          </a:p>
+          <a:p>
             <a:r>
               <a:rPr lang="zh-CN" altLang="en-US" dirty="0"/>
-              <a:t>不需要这个</a:t>
+              <a:t>分开写更好，这样会不</a:t>
+            </a:r>
+            <a:r>
+              <a:rPr lang="en-US" altLang="zh-CN" dirty="0"/>
+              <a:t>confusing</a:t>
+            </a:r>
+          </a:p>
+          <a:p>
+            <a:r>
+              <a:rPr lang="zh-CN" altLang="en-US" dirty="0"/>
+              <a:t>用更多</a:t>
             </a:r>
             <a:r>
               <a:rPr lang="en-US" altLang="zh-CN" dirty="0"/>
               <a:t>slide</a:t>
             </a:r>
-            <a:r>
-              <a:rPr lang="zh-CN" altLang="en-US" dirty="0"/>
-              <a:t>了</a:t>
-            </a:r>
+          </a:p>
+          <a:p>
             <a:endParaRPr lang="en-US" altLang="zh-CN" dirty="0"/>
           </a:p>
           <a:p>
             <a:r>
               <a:rPr lang="en-US" altLang="zh-CN" dirty="0"/>
-              <a:t>In this way, Blockchain companies can save around one month work, </a:t>
-            </a:r>
+              <a:t>Also we will charge each of out partners some money, and hire blockchain experts, and lawyers to do the validation and write the report. We will prepare a funding pool to take the liability for validation.</a:t>
+            </a:r>
+          </a:p>
+          <a:p>
+            <a:endParaRPr lang="en-US" altLang="zh-CN" dirty="0"/>
           </a:p>
           <a:p>
             <a:r>
               <a:rPr lang="en-US" altLang="zh-CN" dirty="0"/>
-              <a:t>The connection, the consulting, the search work and so on.</a:t>
-            </a:r>
-          </a:p>
-          <a:p>
-            <a:endParaRPr lang="en-US" altLang="zh-CN" dirty="0"/>
-          </a:p>
-          <a:p>
-            <a:r>
-              <a:rPr lang="en-US" altLang="zh-CN" dirty="0"/>
-              <a:t>And</a:t>
-            </a:r>
-            <a:r>
-              <a:rPr lang="zh-CN" altLang="en-US" dirty="0"/>
-              <a:t> </a:t>
-            </a:r>
-            <a:r>
-              <a:rPr lang="en-US" altLang="zh-CN" dirty="0"/>
-              <a:t>Cut</a:t>
-            </a:r>
-            <a:r>
-              <a:rPr lang="zh-CN" altLang="en-US" dirty="0"/>
-              <a:t> </a:t>
-            </a:r>
-            <a:r>
-              <a:rPr lang="en-US" altLang="zh-CN" dirty="0"/>
-              <a:t>the validation fee for each IWE partners by 90%</a:t>
-            </a:r>
+              <a:t>So generally speaking, we connect the two group of people</a:t>
+            </a:r>
+            <a:endParaRPr lang="zh-CN" altLang="en-US" dirty="0"/>
           </a:p>
         </p:txBody>
       </p:sp>
@@ -1965,7 +2155,7 @@
     </p:spTree>
     <p:extLst>
       <p:ext uri="{BB962C8B-B14F-4D97-AF65-F5344CB8AC3E}">
-        <p14:creationId xmlns:p14="http://schemas.microsoft.com/office/powerpoint/2010/main" val="4017908598"/>
+        <p14:creationId xmlns:p14="http://schemas.microsoft.com/office/powerpoint/2010/main" val="2448799054"/>
       </p:ext>
     </p:extLst>
   </p:cSld>
@@ -2020,105 +2210,58 @@
           <a:lstStyle/>
           <a:p>
             <a:r>
+              <a:rPr lang="en-US" altLang="zh-CN" dirty="0"/>
+              <a:t>The VP </a:t>
+            </a:r>
+            <a:r>
               <a:rPr lang="zh-CN" altLang="en-US" dirty="0"/>
-              <a:t>这个是针对投资人的，但是不需要对</a:t>
+              <a:t>不需要这个</a:t>
             </a:r>
             <a:r>
               <a:rPr lang="en-US" altLang="zh-CN" dirty="0"/>
-              <a:t>customer</a:t>
+              <a:t>slide</a:t>
             </a:r>
             <a:r>
               <a:rPr lang="zh-CN" altLang="en-US" dirty="0"/>
-              <a:t>说。</a:t>
+              <a:t>了</a:t>
             </a:r>
             <a:endParaRPr lang="en-US" altLang="zh-CN" dirty="0"/>
           </a:p>
           <a:p>
             <a:r>
+              <a:rPr lang="en-US" altLang="zh-CN" dirty="0"/>
+              <a:t>In this way, Blockchain companies can save around one month work, </a:t>
+            </a:r>
+          </a:p>
+          <a:p>
+            <a:r>
+              <a:rPr lang="en-US" altLang="zh-CN" dirty="0"/>
+              <a:t>The connection, the consulting, the search work and so on.</a:t>
+            </a:r>
+          </a:p>
+          <a:p>
+            <a:endParaRPr lang="en-US" altLang="zh-CN" dirty="0"/>
+          </a:p>
+          <a:p>
+            <a:r>
+              <a:rPr lang="en-US" altLang="zh-CN" dirty="0"/>
+              <a:t>And</a:t>
+            </a:r>
+            <a:r>
               <a:rPr lang="zh-CN" altLang="en-US" dirty="0"/>
-              <a:t>了解自己的听众非常重要。</a:t>
-            </a:r>
-            <a:endParaRPr lang="en-US" altLang="zh-CN" dirty="0"/>
-          </a:p>
-          <a:p>
-            <a:endParaRPr lang="en-US" altLang="zh-CN" dirty="0"/>
-          </a:p>
-          <a:p>
+              <a:t> </a:t>
+            </a:r>
+            <a:r>
+              <a:rPr lang="en-US" altLang="zh-CN" dirty="0"/>
+              <a:t>Cut</a:t>
+            </a:r>
             <a:r>
               <a:rPr lang="zh-CN" altLang="en-US" dirty="0"/>
-              <a:t>对</a:t>
+              <a:t> </a:t>
             </a:r>
             <a:r>
               <a:rPr lang="en-US" altLang="zh-CN" dirty="0"/>
-              <a:t>customer</a:t>
-            </a:r>
-            <a:r>
-              <a:rPr lang="zh-CN" altLang="en-US" dirty="0"/>
-              <a:t>说，</a:t>
-            </a:r>
-            <a:endParaRPr lang="en-US" altLang="zh-CN" dirty="0"/>
-          </a:p>
-          <a:p>
-            <a:r>
-              <a:rPr lang="zh-CN" altLang="en-US" dirty="0"/>
-              <a:t>有很多竞争， 你需要</a:t>
-            </a:r>
-            <a:r>
-              <a:rPr lang="en-US" altLang="zh-CN" dirty="0"/>
-              <a:t>marketing</a:t>
-            </a:r>
-            <a:r>
-              <a:rPr lang="zh-CN" altLang="en-US" dirty="0"/>
-              <a:t>。</a:t>
-            </a:r>
-            <a:r>
-              <a:rPr lang="en-US" altLang="zh-CN" dirty="0"/>
-              <a:t>Seriously</a:t>
-            </a:r>
-          </a:p>
-          <a:p>
-            <a:r>
-              <a:rPr lang="en-US" altLang="zh-CN" dirty="0"/>
-              <a:t>This </a:t>
-            </a:r>
-          </a:p>
-          <a:p>
-            <a:r>
-              <a:rPr lang="en-US" altLang="zh-CN" dirty="0"/>
-              <a:t>[</a:t>
-            </a:r>
-            <a:r>
-              <a:rPr lang="zh-CN" altLang="en-US" dirty="0"/>
-              <a:t>重要</a:t>
-            </a:r>
-            <a:r>
-              <a:rPr lang="en-US" altLang="zh-CN" dirty="0"/>
-              <a:t>] </a:t>
-            </a:r>
-            <a:r>
-              <a:rPr lang="zh-CN" altLang="en-US" dirty="0"/>
-              <a:t>要获取每个客户需要花多少钱？？</a:t>
-            </a:r>
-            <a:r>
-              <a:rPr lang="en-US" altLang="zh-CN" dirty="0"/>
-              <a:t>【</a:t>
-            </a:r>
-            <a:r>
-              <a:rPr lang="zh-CN" altLang="en-US" dirty="0"/>
-              <a:t>这一点很重要</a:t>
-            </a:r>
-            <a:r>
-              <a:rPr lang="en-US" altLang="zh-CN" dirty="0"/>
-              <a:t>】</a:t>
-            </a:r>
-          </a:p>
-          <a:p>
-            <a:endParaRPr lang="en-US" altLang="zh-CN" dirty="0"/>
-          </a:p>
-          <a:p>
-            <a:r>
-              <a:rPr lang="zh-CN" altLang="en-US" dirty="0"/>
-              <a:t>你已经帮助了多少人？？</a:t>
+              <a:t>the validation fee for each IWE partners by 90%</a:t>
             </a:r>
           </a:p>
         </p:txBody>
@@ -2150,7 +2293,7 @@
     </p:spTree>
     <p:extLst>
       <p:ext uri="{BB962C8B-B14F-4D97-AF65-F5344CB8AC3E}">
-        <p14:creationId xmlns:p14="http://schemas.microsoft.com/office/powerpoint/2010/main" val="1691590185"/>
+        <p14:creationId xmlns:p14="http://schemas.microsoft.com/office/powerpoint/2010/main" val="4017908598"/>
       </p:ext>
     </p:extLst>
   </p:cSld>
@@ -5734,7 +5877,1355 @@
 </p:sld>
 </file>
 
+<file path=ppt/slides/slide10.xml><?xml version="1.0" encoding="utf-8"?>
+<p:sld xmlns:a="http://schemas.openxmlformats.org/drawingml/2006/main" xmlns:r="http://schemas.openxmlformats.org/officeDocument/2006/relationships" xmlns:p="http://schemas.openxmlformats.org/presentationml/2006/main">
+  <p:cSld>
+    <p:spTree>
+      <p:nvGrpSpPr>
+        <p:cNvPr id="1" name=""/>
+        <p:cNvGrpSpPr/>
+        <p:nvPr/>
+      </p:nvGrpSpPr>
+      <p:grpSpPr>
+        <a:xfrm>
+          <a:off x="0" y="0"/>
+          <a:ext cx="0" cy="0"/>
+          <a:chOff x="0" y="0"/>
+          <a:chExt cx="0" cy="0"/>
+        </a:xfrm>
+      </p:grpSpPr>
+      <p:sp>
+        <p:nvSpPr>
+          <p:cNvPr id="8" name="Прямоугольник 1"/>
+          <p:cNvSpPr/>
+          <p:nvPr/>
+        </p:nvSpPr>
+        <p:spPr>
+          <a:xfrm>
+            <a:off x="12188825" y="304800"/>
+            <a:ext cx="11811000" cy="13106400"/>
+          </a:xfrm>
+          <a:prstGeom prst="rect">
+            <a:avLst/>
+          </a:prstGeom>
+          <a:solidFill>
+            <a:srgbClr val="1FB5AC"/>
+          </a:solidFill>
+          <a:ln>
+            <a:noFill/>
+          </a:ln>
+        </p:spPr>
+        <p:style>
+          <a:lnRef idx="2">
+            <a:schemeClr val="accent1">
+              <a:shade val="50000"/>
+            </a:schemeClr>
+          </a:lnRef>
+          <a:fillRef idx="1">
+            <a:schemeClr val="accent1"/>
+          </a:fillRef>
+          <a:effectRef idx="0">
+            <a:schemeClr val="accent1"/>
+          </a:effectRef>
+          <a:fontRef idx="minor">
+            <a:schemeClr val="lt1"/>
+          </a:fontRef>
+        </p:style>
+        <p:txBody>
+          <a:bodyPr rtlCol="0" anchor="ctr"/>
+          <a:lstStyle/>
+          <a:p>
+            <a:pPr algn="ctr"/>
+            <a:endParaRPr lang="en-US"/>
+          </a:p>
+        </p:txBody>
+      </p:sp>
+      <p:sp>
+        <p:nvSpPr>
+          <p:cNvPr id="5" name="椭圆 4">
+            <a:extLst>
+              <a:ext uri="{FF2B5EF4-FFF2-40B4-BE49-F238E27FC236}">
+                <a16:creationId xmlns:a16="http://schemas.microsoft.com/office/drawing/2014/main" id="{3D7B83CD-61BE-4123-A3C9-67502BF07EAA}"/>
+              </a:ext>
+            </a:extLst>
+          </p:cNvPr>
+          <p:cNvSpPr/>
+          <p:nvPr/>
+        </p:nvSpPr>
+        <p:spPr>
+          <a:xfrm>
+            <a:off x="1282740" y="2895600"/>
+            <a:ext cx="9829800" cy="9829800"/>
+          </a:xfrm>
+          <a:prstGeom prst="ellipse">
+            <a:avLst/>
+          </a:prstGeom>
+          <a:noFill/>
+          <a:ln>
+            <a:solidFill>
+              <a:schemeClr val="tx2"/>
+            </a:solidFill>
+          </a:ln>
+        </p:spPr>
+        <p:style>
+          <a:lnRef idx="2">
+            <a:schemeClr val="accent1">
+              <a:shade val="50000"/>
+            </a:schemeClr>
+          </a:lnRef>
+          <a:fillRef idx="1">
+            <a:schemeClr val="accent1"/>
+          </a:fillRef>
+          <a:effectRef idx="0">
+            <a:schemeClr val="accent1"/>
+          </a:effectRef>
+          <a:fontRef idx="minor">
+            <a:schemeClr val="lt1"/>
+          </a:fontRef>
+        </p:style>
+        <p:txBody>
+          <a:bodyPr rtlCol="0" anchor="ctr"/>
+          <a:lstStyle/>
+          <a:p>
+            <a:pPr algn="ctr"/>
+            <a:endParaRPr lang="zh-CN" altLang="en-US"/>
+          </a:p>
+        </p:txBody>
+      </p:sp>
+      <p:sp>
+        <p:nvSpPr>
+          <p:cNvPr id="12" name="椭圆 11">
+            <a:extLst>
+              <a:ext uri="{FF2B5EF4-FFF2-40B4-BE49-F238E27FC236}">
+                <a16:creationId xmlns:a16="http://schemas.microsoft.com/office/drawing/2014/main" id="{B3B272E1-811C-4FEF-B35F-6D1D46AB3161}"/>
+              </a:ext>
+            </a:extLst>
+          </p:cNvPr>
+          <p:cNvSpPr/>
+          <p:nvPr/>
+        </p:nvSpPr>
+        <p:spPr>
+          <a:xfrm>
+            <a:off x="2740025" y="5490627"/>
+            <a:ext cx="7234773" cy="7234773"/>
+          </a:xfrm>
+          <a:prstGeom prst="ellipse">
+            <a:avLst/>
+          </a:prstGeom>
+          <a:noFill/>
+          <a:ln>
+            <a:solidFill>
+              <a:schemeClr val="tx2"/>
+            </a:solidFill>
+          </a:ln>
+        </p:spPr>
+        <p:style>
+          <a:lnRef idx="2">
+            <a:schemeClr val="accent1">
+              <a:shade val="50000"/>
+            </a:schemeClr>
+          </a:lnRef>
+          <a:fillRef idx="1">
+            <a:schemeClr val="accent1"/>
+          </a:fillRef>
+          <a:effectRef idx="0">
+            <a:schemeClr val="accent1"/>
+          </a:effectRef>
+          <a:fontRef idx="minor">
+            <a:schemeClr val="lt1"/>
+          </a:fontRef>
+        </p:style>
+        <p:txBody>
+          <a:bodyPr rtlCol="0" anchor="ctr"/>
+          <a:lstStyle/>
+          <a:p>
+            <a:pPr algn="ctr"/>
+            <a:endParaRPr lang="zh-CN" altLang="en-US"/>
+          </a:p>
+        </p:txBody>
+      </p:sp>
+      <p:sp>
+        <p:nvSpPr>
+          <p:cNvPr id="15" name="椭圆 14">
+            <a:extLst>
+              <a:ext uri="{FF2B5EF4-FFF2-40B4-BE49-F238E27FC236}">
+                <a16:creationId xmlns:a16="http://schemas.microsoft.com/office/drawing/2014/main" id="{9976CAC1-B47A-40FF-BE43-E940FA5CD1E4}"/>
+              </a:ext>
+            </a:extLst>
+          </p:cNvPr>
+          <p:cNvSpPr/>
+          <p:nvPr/>
+        </p:nvSpPr>
+        <p:spPr>
+          <a:xfrm>
+            <a:off x="4014003" y="8358128"/>
+            <a:ext cx="4367272" cy="4367272"/>
+          </a:xfrm>
+          <a:prstGeom prst="ellipse">
+            <a:avLst/>
+          </a:prstGeom>
+          <a:noFill/>
+          <a:ln>
+            <a:solidFill>
+              <a:schemeClr val="tx2"/>
+            </a:solidFill>
+          </a:ln>
+        </p:spPr>
+        <p:style>
+          <a:lnRef idx="2">
+            <a:schemeClr val="accent1">
+              <a:shade val="50000"/>
+            </a:schemeClr>
+          </a:lnRef>
+          <a:fillRef idx="1">
+            <a:schemeClr val="accent1"/>
+          </a:fillRef>
+          <a:effectRef idx="0">
+            <a:schemeClr val="accent1"/>
+          </a:effectRef>
+          <a:fontRef idx="minor">
+            <a:schemeClr val="lt1"/>
+          </a:fontRef>
+        </p:style>
+        <p:txBody>
+          <a:bodyPr rtlCol="0" anchor="ctr"/>
+          <a:lstStyle/>
+          <a:p>
+            <a:pPr algn="ctr"/>
+            <a:endParaRPr lang="zh-CN" altLang="en-US"/>
+          </a:p>
+        </p:txBody>
+      </p:sp>
+      <p:sp>
+        <p:nvSpPr>
+          <p:cNvPr id="6" name="文本框 5">
+            <a:extLst>
+              <a:ext uri="{FF2B5EF4-FFF2-40B4-BE49-F238E27FC236}">
+                <a16:creationId xmlns:a16="http://schemas.microsoft.com/office/drawing/2014/main" id="{15E65328-219D-45D1-8F31-C5B09E3FC866}"/>
+              </a:ext>
+            </a:extLst>
+          </p:cNvPr>
+          <p:cNvSpPr txBox="1"/>
+          <p:nvPr/>
+        </p:nvSpPr>
+        <p:spPr>
+          <a:xfrm>
+            <a:off x="4173775" y="3765827"/>
+            <a:ext cx="4367272" cy="1323439"/>
+          </a:xfrm>
+          <a:prstGeom prst="rect">
+            <a:avLst/>
+          </a:prstGeom>
+          <a:noFill/>
+        </p:spPr>
+        <p:txBody>
+          <a:bodyPr wrap="square" rtlCol="0">
+            <a:spAutoFit/>
+          </a:bodyPr>
+          <a:lstStyle/>
+          <a:p>
+            <a:pPr algn="ctr"/>
+            <a:r>
+              <a:rPr lang="en-US" altLang="zh-CN" sz="4000" dirty="0">
+                <a:solidFill>
+                  <a:srgbClr val="1FB5AC"/>
+                </a:solidFill>
+              </a:rPr>
+              <a:t>1,900 ICO / mo. globally</a:t>
+            </a:r>
+            <a:endParaRPr lang="zh-CN" altLang="en-US" sz="4000" dirty="0">
+              <a:solidFill>
+                <a:srgbClr val="1FB5AC"/>
+              </a:solidFill>
+            </a:endParaRPr>
+          </a:p>
+        </p:txBody>
+      </p:sp>
+      <p:sp>
+        <p:nvSpPr>
+          <p:cNvPr id="16" name="文本框 15">
+            <a:extLst>
+              <a:ext uri="{FF2B5EF4-FFF2-40B4-BE49-F238E27FC236}">
+                <a16:creationId xmlns:a16="http://schemas.microsoft.com/office/drawing/2014/main" id="{6B8D3E7B-9CFE-4FC4-8265-929E695CD074}"/>
+              </a:ext>
+            </a:extLst>
+          </p:cNvPr>
+          <p:cNvSpPr txBox="1"/>
+          <p:nvPr/>
+        </p:nvSpPr>
+        <p:spPr>
+          <a:xfrm>
+            <a:off x="3950086" y="6487061"/>
+            <a:ext cx="4814650" cy="1323439"/>
+          </a:xfrm>
+          <a:prstGeom prst="rect">
+            <a:avLst/>
+          </a:prstGeom>
+          <a:noFill/>
+        </p:spPr>
+        <p:txBody>
+          <a:bodyPr wrap="square" rtlCol="0">
+            <a:spAutoFit/>
+          </a:bodyPr>
+          <a:lstStyle/>
+          <a:p>
+            <a:pPr algn="ctr"/>
+            <a:r>
+              <a:rPr lang="en-US" altLang="zh-CN" sz="4000" dirty="0">
+                <a:solidFill>
+                  <a:srgbClr val="1FB5AC"/>
+                </a:solidFill>
+              </a:rPr>
+              <a:t>600 ICO / mo. Available globally</a:t>
+            </a:r>
+            <a:endParaRPr lang="zh-CN" altLang="en-US" sz="4000" dirty="0">
+              <a:solidFill>
+                <a:srgbClr val="1FB5AC"/>
+              </a:solidFill>
+            </a:endParaRPr>
+          </a:p>
+        </p:txBody>
+      </p:sp>
+      <p:sp>
+        <p:nvSpPr>
+          <p:cNvPr id="17" name="文本框 16">
+            <a:extLst>
+              <a:ext uri="{FF2B5EF4-FFF2-40B4-BE49-F238E27FC236}">
+                <a16:creationId xmlns:a16="http://schemas.microsoft.com/office/drawing/2014/main" id="{F00BB768-5199-467F-A2F9-A9AA5117EBC2}"/>
+              </a:ext>
+            </a:extLst>
+          </p:cNvPr>
+          <p:cNvSpPr txBox="1"/>
+          <p:nvPr/>
+        </p:nvSpPr>
+        <p:spPr>
+          <a:xfrm>
+            <a:off x="3790314" y="9880044"/>
+            <a:ext cx="4814650" cy="1323439"/>
+          </a:xfrm>
+          <a:prstGeom prst="rect">
+            <a:avLst/>
+          </a:prstGeom>
+          <a:noFill/>
+        </p:spPr>
+        <p:txBody>
+          <a:bodyPr wrap="square" rtlCol="0">
+            <a:spAutoFit/>
+          </a:bodyPr>
+          <a:lstStyle/>
+          <a:p>
+            <a:pPr algn="ctr"/>
+            <a:r>
+              <a:rPr lang="en-US" altLang="zh-CN" sz="4000" dirty="0">
+                <a:solidFill>
+                  <a:srgbClr val="1FB5AC"/>
+                </a:solidFill>
+              </a:rPr>
+              <a:t>480 ICO / mo. Servable </a:t>
+            </a:r>
+            <a:endParaRPr lang="zh-CN" altLang="en-US" sz="4000" dirty="0">
+              <a:solidFill>
+                <a:srgbClr val="1FB5AC"/>
+              </a:solidFill>
+            </a:endParaRPr>
+          </a:p>
+        </p:txBody>
+      </p:sp>
+      <p:sp>
+        <p:nvSpPr>
+          <p:cNvPr id="18" name="文本框 17">
+            <a:extLst>
+              <a:ext uri="{FF2B5EF4-FFF2-40B4-BE49-F238E27FC236}">
+                <a16:creationId xmlns:a16="http://schemas.microsoft.com/office/drawing/2014/main" id="{78D0F920-ED58-4A39-A825-72D004C65AD8}"/>
+              </a:ext>
+            </a:extLst>
+          </p:cNvPr>
+          <p:cNvSpPr txBox="1"/>
+          <p:nvPr/>
+        </p:nvSpPr>
+        <p:spPr>
+          <a:xfrm>
+            <a:off x="13782348" y="1579632"/>
+            <a:ext cx="9153485" cy="10556736"/>
+          </a:xfrm>
+          <a:prstGeom prst="rect">
+            <a:avLst/>
+          </a:prstGeom>
+          <a:noFill/>
+        </p:spPr>
+        <p:txBody>
+          <a:bodyPr wrap="square" rtlCol="0">
+            <a:spAutoFit/>
+          </a:bodyPr>
+          <a:lstStyle/>
+          <a:p>
+            <a:r>
+              <a:rPr lang="en-US" altLang="zh-CN" sz="4000" dirty="0">
+                <a:solidFill>
+                  <a:schemeClr val="bg1"/>
+                </a:solidFill>
+              </a:rPr>
+              <a:t>TAM: </a:t>
+            </a:r>
+          </a:p>
+          <a:p>
+            <a:endParaRPr lang="en-US" altLang="zh-CN" sz="4000" dirty="0">
+              <a:solidFill>
+                <a:schemeClr val="bg1"/>
+              </a:solidFill>
+            </a:endParaRPr>
+          </a:p>
+          <a:p>
+            <a:pPr marL="571500" indent="-571500">
+              <a:buFont typeface="Arial" panose="020B0604020202020204" pitchFamily="34" charset="0"/>
+              <a:buChar char="•"/>
+            </a:pPr>
+            <a:r>
+              <a:rPr lang="en-US" altLang="zh-CN" sz="4000" dirty="0">
+                <a:solidFill>
+                  <a:schemeClr val="bg1"/>
+                </a:solidFill>
+              </a:rPr>
+              <a:t>By statistic from </a:t>
+            </a:r>
+            <a:r>
+              <a:rPr lang="en-US" altLang="zh-CN" sz="4000" dirty="0" err="1">
+                <a:solidFill>
+                  <a:schemeClr val="bg1"/>
+                </a:solidFill>
+              </a:rPr>
+              <a:t>coinmarketcap</a:t>
+            </a:r>
+            <a:r>
+              <a:rPr lang="en-US" altLang="zh-CN" sz="4000" dirty="0">
+                <a:solidFill>
+                  <a:schemeClr val="bg1"/>
+                </a:solidFill>
+              </a:rPr>
+              <a:t>, averagely 1,900 new token registration per month </a:t>
+            </a:r>
+          </a:p>
+          <a:p>
+            <a:endParaRPr lang="en-US" altLang="zh-CN" sz="4000" dirty="0">
+              <a:solidFill>
+                <a:schemeClr val="bg1"/>
+              </a:solidFill>
+            </a:endParaRPr>
+          </a:p>
+          <a:p>
+            <a:r>
+              <a:rPr lang="en-US" altLang="zh-CN" sz="4000" dirty="0">
+                <a:solidFill>
+                  <a:schemeClr val="bg1"/>
+                </a:solidFill>
+              </a:rPr>
+              <a:t>SAM: </a:t>
+            </a:r>
+          </a:p>
+          <a:p>
+            <a:endParaRPr lang="en-US" altLang="zh-CN" sz="4000" dirty="0">
+              <a:solidFill>
+                <a:schemeClr val="bg1"/>
+              </a:solidFill>
+            </a:endParaRPr>
+          </a:p>
+          <a:p>
+            <a:pPr marL="571500" indent="-571500">
+              <a:buFont typeface="Arial" panose="020B0604020202020204" pitchFamily="34" charset="0"/>
+              <a:buChar char="•"/>
+            </a:pPr>
+            <a:r>
+              <a:rPr lang="en-US" altLang="zh-CN" sz="4000" dirty="0">
+                <a:solidFill>
+                  <a:schemeClr val="bg1"/>
+                </a:solidFill>
+              </a:rPr>
+              <a:t>From statistic from icodata.io and icoservice.io there are 600 ICO available in NA.</a:t>
+            </a:r>
+          </a:p>
+          <a:p>
+            <a:endParaRPr lang="en-US" altLang="zh-CN" sz="4000" dirty="0">
+              <a:solidFill>
+                <a:schemeClr val="bg1"/>
+              </a:solidFill>
+            </a:endParaRPr>
+          </a:p>
+          <a:p>
+            <a:r>
+              <a:rPr lang="en-US" altLang="zh-CN" sz="4000" dirty="0">
+                <a:solidFill>
+                  <a:schemeClr val="bg1"/>
+                </a:solidFill>
+              </a:rPr>
+              <a:t>SOM:</a:t>
+            </a:r>
+          </a:p>
+          <a:p>
+            <a:endParaRPr lang="en-US" altLang="zh-CN" sz="4000" dirty="0">
+              <a:solidFill>
+                <a:schemeClr val="bg1"/>
+              </a:solidFill>
+            </a:endParaRPr>
+          </a:p>
+          <a:p>
+            <a:pPr marL="571500" indent="-571500">
+              <a:buFont typeface="Arial" panose="020B0604020202020204" pitchFamily="34" charset="0"/>
+              <a:buChar char="•"/>
+            </a:pPr>
+            <a:r>
+              <a:rPr lang="en-US" altLang="zh-CN" sz="4000" dirty="0">
+                <a:solidFill>
+                  <a:schemeClr val="bg1"/>
+                </a:solidFill>
+              </a:rPr>
+              <a:t>According to validation, 80% of SAM</a:t>
+            </a:r>
+          </a:p>
+          <a:p>
+            <a:endParaRPr lang="en-US" altLang="zh-CN" sz="4000" dirty="0">
+              <a:solidFill>
+                <a:schemeClr val="bg1"/>
+              </a:solidFill>
+            </a:endParaRPr>
+          </a:p>
+          <a:p>
+            <a:r>
+              <a:rPr lang="en-US" altLang="zh-CN" sz="4000" dirty="0">
+                <a:solidFill>
+                  <a:schemeClr val="bg1"/>
+                </a:solidFill>
+              </a:rPr>
+              <a:t>Means: $86,400 revenue per month.</a:t>
+            </a:r>
+            <a:endParaRPr lang="zh-CN" altLang="en-US" sz="4000" dirty="0">
+              <a:solidFill>
+                <a:schemeClr val="bg1"/>
+              </a:solidFill>
+            </a:endParaRPr>
+          </a:p>
+        </p:txBody>
+      </p:sp>
+      <p:sp>
+        <p:nvSpPr>
+          <p:cNvPr id="19" name="文本框 18">
+            <a:extLst>
+              <a:ext uri="{FF2B5EF4-FFF2-40B4-BE49-F238E27FC236}">
+                <a16:creationId xmlns:a16="http://schemas.microsoft.com/office/drawing/2014/main" id="{EA30E5E3-E256-4162-8959-6D8678198F01}"/>
+              </a:ext>
+            </a:extLst>
+          </p:cNvPr>
+          <p:cNvSpPr txBox="1"/>
+          <p:nvPr/>
+        </p:nvSpPr>
+        <p:spPr>
+          <a:xfrm>
+            <a:off x="1675853" y="826056"/>
+            <a:ext cx="9363115" cy="923330"/>
+          </a:xfrm>
+          <a:prstGeom prst="rect">
+            <a:avLst/>
+          </a:prstGeom>
+          <a:noFill/>
+        </p:spPr>
+        <p:txBody>
+          <a:bodyPr wrap="square" rtlCol="0">
+            <a:spAutoFit/>
+          </a:bodyPr>
+          <a:lstStyle/>
+          <a:p>
+            <a:pPr algn="ctr"/>
+            <a:r>
+              <a:rPr lang="en-US" altLang="zh-CN" sz="5400" dirty="0">
+                <a:solidFill>
+                  <a:schemeClr val="tx2"/>
+                </a:solidFill>
+              </a:rPr>
+              <a:t>Market Size</a:t>
+            </a:r>
+            <a:endParaRPr lang="zh-CN" altLang="en-US" sz="5400" dirty="0">
+              <a:solidFill>
+                <a:schemeClr val="tx2"/>
+              </a:solidFill>
+            </a:endParaRPr>
+          </a:p>
+        </p:txBody>
+      </p:sp>
+      <p:sp>
+        <p:nvSpPr>
+          <p:cNvPr id="20" name="Овал 25">
+            <a:extLst>
+              <a:ext uri="{FF2B5EF4-FFF2-40B4-BE49-F238E27FC236}">
+                <a16:creationId xmlns:a16="http://schemas.microsoft.com/office/drawing/2014/main" id="{EB2A2967-5902-4B66-9435-DC3C51D141DF}"/>
+              </a:ext>
+            </a:extLst>
+          </p:cNvPr>
+          <p:cNvSpPr/>
+          <p:nvPr/>
+        </p:nvSpPr>
+        <p:spPr>
+          <a:xfrm>
+            <a:off x="11203429" y="11515156"/>
+            <a:ext cx="1896046" cy="1896044"/>
+          </a:xfrm>
+          <a:prstGeom prst="ellipse">
+            <a:avLst/>
+          </a:prstGeom>
+          <a:solidFill>
+            <a:schemeClr val="tx2"/>
+          </a:solidFill>
+          <a:ln>
+            <a:noFill/>
+          </a:ln>
+        </p:spPr>
+        <p:style>
+          <a:lnRef idx="2">
+            <a:schemeClr val="accent1">
+              <a:shade val="50000"/>
+            </a:schemeClr>
+          </a:lnRef>
+          <a:fillRef idx="1">
+            <a:schemeClr val="accent1"/>
+          </a:fillRef>
+          <a:effectRef idx="0">
+            <a:schemeClr val="accent1"/>
+          </a:effectRef>
+          <a:fontRef idx="minor">
+            <a:schemeClr val="lt1"/>
+          </a:fontRef>
+        </p:style>
+        <p:txBody>
+          <a:bodyPr rtlCol="0" anchor="ctr"/>
+          <a:lstStyle/>
+          <a:p>
+            <a:pPr algn="ctr"/>
+            <a:endParaRPr lang="ru-RU"/>
+          </a:p>
+        </p:txBody>
+      </p:sp>
+      <p:sp>
+        <p:nvSpPr>
+          <p:cNvPr id="21" name="TextBox 64">
+            <a:extLst>
+              <a:ext uri="{FF2B5EF4-FFF2-40B4-BE49-F238E27FC236}">
+                <a16:creationId xmlns:a16="http://schemas.microsoft.com/office/drawing/2014/main" id="{80E315F4-5A53-408A-B2BB-3C1D0E7145D2}"/>
+              </a:ext>
+            </a:extLst>
+          </p:cNvPr>
+          <p:cNvSpPr txBox="1"/>
+          <p:nvPr/>
+        </p:nvSpPr>
+        <p:spPr>
+          <a:xfrm>
+            <a:off x="11048009" y="12243481"/>
+            <a:ext cx="2206884" cy="1118255"/>
+          </a:xfrm>
+          <a:prstGeom prst="rect">
+            <a:avLst/>
+          </a:prstGeom>
+          <a:noFill/>
+        </p:spPr>
+        <p:txBody>
+          <a:bodyPr wrap="square" rtlCol="0">
+            <a:spAutoFit/>
+          </a:bodyPr>
+          <a:lstStyle/>
+          <a:p>
+            <a:pPr algn="ctr"/>
+            <a:r>
+              <a:rPr lang="zh-CN" altLang="en-US" sz="10000" baseline="30000" dirty="0">
+                <a:solidFill>
+                  <a:schemeClr val="bg1"/>
+                </a:solidFill>
+                <a:latin typeface="华文行楷" panose="02010800040101010101" pitchFamily="2" charset="-122"/>
+                <a:ea typeface="华文行楷" panose="02010800040101010101" pitchFamily="2" charset="-122"/>
+              </a:rPr>
+              <a:t>市</a:t>
+            </a:r>
+            <a:endParaRPr lang="en-US" sz="10000" baseline="30000" dirty="0">
+              <a:solidFill>
+                <a:schemeClr val="bg1"/>
+              </a:solidFill>
+              <a:latin typeface="华文行楷" panose="02010800040101010101" pitchFamily="2" charset="-122"/>
+              <a:ea typeface="华文行楷" panose="02010800040101010101" pitchFamily="2" charset="-122"/>
+            </a:endParaRPr>
+          </a:p>
+        </p:txBody>
+      </p:sp>
+    </p:spTree>
+    <p:extLst>
+      <p:ext uri="{BB962C8B-B14F-4D97-AF65-F5344CB8AC3E}">
+        <p14:creationId xmlns:p14="http://schemas.microsoft.com/office/powerpoint/2010/main" val="3025193284"/>
+      </p:ext>
+    </p:extLst>
+  </p:cSld>
+  <p:clrMapOvr>
+    <a:masterClrMapping/>
+  </p:clrMapOvr>
+  <p:transition spd="slow" advClick="0" advTm="1000">
+    <p:push/>
+  </p:transition>
+</p:sld>
+</file>
+
 <file path=ppt/slides/slide2.xml><?xml version="1.0" encoding="utf-8"?>
+<p:sld xmlns:a="http://schemas.openxmlformats.org/drawingml/2006/main" xmlns:r="http://schemas.openxmlformats.org/officeDocument/2006/relationships" xmlns:p="http://schemas.openxmlformats.org/presentationml/2006/main">
+  <p:cSld>
+    <p:spTree>
+      <p:nvGrpSpPr>
+        <p:cNvPr id="1" name=""/>
+        <p:cNvGrpSpPr/>
+        <p:nvPr/>
+      </p:nvGrpSpPr>
+      <p:grpSpPr>
+        <a:xfrm>
+          <a:off x="0" y="0"/>
+          <a:ext cx="0" cy="0"/>
+          <a:chOff x="0" y="0"/>
+          <a:chExt cx="0" cy="0"/>
+        </a:xfrm>
+      </p:grpSpPr>
+      <p:pic>
+        <p:nvPicPr>
+          <p:cNvPr id="3" name="图片 2">
+            <a:extLst>
+              <a:ext uri="{FF2B5EF4-FFF2-40B4-BE49-F238E27FC236}">
+                <a16:creationId xmlns:a16="http://schemas.microsoft.com/office/drawing/2014/main" id="{32CD604E-6EB4-42D6-997B-58BAF3E0B7E6}"/>
+              </a:ext>
+            </a:extLst>
+          </p:cNvPr>
+          <p:cNvPicPr>
+            <a:picLocks noChangeAspect="1"/>
+          </p:cNvPicPr>
+          <p:nvPr/>
+        </p:nvPicPr>
+        <p:blipFill>
+          <a:blip r:embed="rId3" cstate="email">
+            <a:extLst>
+              <a:ext uri="{28A0092B-C50C-407E-A947-70E740481C1C}">
+                <a14:useLocalDpi xmlns:a14="http://schemas.microsoft.com/office/drawing/2010/main" val="0"/>
+              </a:ext>
+            </a:extLst>
+          </a:blip>
+          <a:stretch>
+            <a:fillRect/>
+          </a:stretch>
+        </p:blipFill>
+        <p:spPr>
+          <a:xfrm>
+            <a:off x="2208232" y="5303838"/>
+            <a:ext cx="4267200" cy="4267200"/>
+          </a:xfrm>
+          <a:prstGeom prst="rect">
+            <a:avLst/>
+          </a:prstGeom>
+        </p:spPr>
+      </p:pic>
+      <p:pic>
+        <p:nvPicPr>
+          <p:cNvPr id="5" name="图片 4">
+            <a:extLst>
+              <a:ext uri="{FF2B5EF4-FFF2-40B4-BE49-F238E27FC236}">
+                <a16:creationId xmlns:a16="http://schemas.microsoft.com/office/drawing/2014/main" id="{CFAB1ADB-AD5E-42F8-A1B1-CDE8DC397722}"/>
+              </a:ext>
+            </a:extLst>
+          </p:cNvPr>
+          <p:cNvPicPr>
+            <a:picLocks noChangeAspect="1"/>
+          </p:cNvPicPr>
+          <p:nvPr/>
+        </p:nvPicPr>
+        <p:blipFill>
+          <a:blip r:embed="rId4" cstate="email">
+            <a:extLst>
+              <a:ext uri="{28A0092B-C50C-407E-A947-70E740481C1C}">
+                <a14:useLocalDpi xmlns:a14="http://schemas.microsoft.com/office/drawing/2010/main" val="0"/>
+              </a:ext>
+            </a:extLst>
+          </a:blip>
+          <a:stretch>
+            <a:fillRect/>
+          </a:stretch>
+        </p:blipFill>
+        <p:spPr>
+          <a:xfrm>
+            <a:off x="16075023" y="2259010"/>
+            <a:ext cx="3432177" cy="3432177"/>
+          </a:xfrm>
+          <a:prstGeom prst="rect">
+            <a:avLst/>
+          </a:prstGeom>
+        </p:spPr>
+      </p:pic>
+      <p:pic>
+        <p:nvPicPr>
+          <p:cNvPr id="7" name="图片 6">
+            <a:extLst>
+              <a:ext uri="{FF2B5EF4-FFF2-40B4-BE49-F238E27FC236}">
+                <a16:creationId xmlns:a16="http://schemas.microsoft.com/office/drawing/2014/main" id="{26AA48AC-5750-4099-B1D9-485D504C1621}"/>
+              </a:ext>
+            </a:extLst>
+          </p:cNvPr>
+          <p:cNvPicPr>
+            <a:picLocks noChangeAspect="1"/>
+          </p:cNvPicPr>
+          <p:nvPr/>
+        </p:nvPicPr>
+        <p:blipFill>
+          <a:blip r:embed="rId5" cstate="email">
+            <a:extLst>
+              <a:ext uri="{28A0092B-C50C-407E-A947-70E740481C1C}">
+                <a14:useLocalDpi xmlns:a14="http://schemas.microsoft.com/office/drawing/2010/main" val="0"/>
+              </a:ext>
+            </a:extLst>
+          </a:blip>
+          <a:stretch>
+            <a:fillRect/>
+          </a:stretch>
+        </p:blipFill>
+        <p:spPr>
+          <a:xfrm>
+            <a:off x="16075024" y="7854950"/>
+            <a:ext cx="3432177" cy="3432177"/>
+          </a:xfrm>
+          <a:prstGeom prst="rect">
+            <a:avLst/>
+          </a:prstGeom>
+        </p:spPr>
+      </p:pic>
+      <p:pic>
+        <p:nvPicPr>
+          <p:cNvPr id="8" name="图片 7">
+            <a:extLst>
+              <a:ext uri="{FF2B5EF4-FFF2-40B4-BE49-F238E27FC236}">
+                <a16:creationId xmlns:a16="http://schemas.microsoft.com/office/drawing/2014/main" id="{F6F2B6EE-77D7-45F0-AE77-426EC6CF2834}"/>
+              </a:ext>
+            </a:extLst>
+          </p:cNvPr>
+          <p:cNvPicPr>
+            <a:picLocks noChangeAspect="1"/>
+          </p:cNvPicPr>
+          <p:nvPr/>
+        </p:nvPicPr>
+        <p:blipFill>
+          <a:blip r:embed="rId6"/>
+          <a:stretch>
+            <a:fillRect/>
+          </a:stretch>
+        </p:blipFill>
+        <p:spPr>
+          <a:xfrm>
+            <a:off x="987424" y="1641682"/>
+            <a:ext cx="1644443" cy="1644443"/>
+          </a:xfrm>
+          <a:prstGeom prst="rect">
+            <a:avLst/>
+          </a:prstGeom>
+        </p:spPr>
+      </p:pic>
+      <p:pic>
+        <p:nvPicPr>
+          <p:cNvPr id="9" name="图片 8">
+            <a:extLst>
+              <a:ext uri="{FF2B5EF4-FFF2-40B4-BE49-F238E27FC236}">
+                <a16:creationId xmlns:a16="http://schemas.microsoft.com/office/drawing/2014/main" id="{FFB2EE4B-AC67-44E0-9A12-AF728A0E9271}"/>
+              </a:ext>
+            </a:extLst>
+          </p:cNvPr>
+          <p:cNvPicPr>
+            <a:picLocks noChangeAspect="1"/>
+          </p:cNvPicPr>
+          <p:nvPr/>
+        </p:nvPicPr>
+        <p:blipFill>
+          <a:blip r:embed="rId7"/>
+          <a:stretch>
+            <a:fillRect/>
+          </a:stretch>
+        </p:blipFill>
+        <p:spPr>
+          <a:xfrm>
+            <a:off x="6966196" y="2044675"/>
+            <a:ext cx="1644443" cy="1631695"/>
+          </a:xfrm>
+          <a:prstGeom prst="rect">
+            <a:avLst/>
+          </a:prstGeom>
+        </p:spPr>
+      </p:pic>
+      <p:pic>
+        <p:nvPicPr>
+          <p:cNvPr id="10" name="图片 9">
+            <a:extLst>
+              <a:ext uri="{FF2B5EF4-FFF2-40B4-BE49-F238E27FC236}">
+                <a16:creationId xmlns:a16="http://schemas.microsoft.com/office/drawing/2014/main" id="{8E6F954A-C1C7-4B35-A8D0-3797AC497F9C}"/>
+              </a:ext>
+            </a:extLst>
+          </p:cNvPr>
+          <p:cNvPicPr>
+            <a:picLocks noChangeAspect="1"/>
+          </p:cNvPicPr>
+          <p:nvPr/>
+        </p:nvPicPr>
+        <p:blipFill>
+          <a:blip r:embed="rId8"/>
+          <a:stretch>
+            <a:fillRect/>
+          </a:stretch>
+        </p:blipFill>
+        <p:spPr>
+          <a:xfrm>
+            <a:off x="6997700" y="10068180"/>
+            <a:ext cx="1612939" cy="1631695"/>
+          </a:xfrm>
+          <a:prstGeom prst="rect">
+            <a:avLst/>
+          </a:prstGeom>
+        </p:spPr>
+      </p:pic>
+      <p:pic>
+        <p:nvPicPr>
+          <p:cNvPr id="11" name="图片 10">
+            <a:extLst>
+              <a:ext uri="{FF2B5EF4-FFF2-40B4-BE49-F238E27FC236}">
+                <a16:creationId xmlns:a16="http://schemas.microsoft.com/office/drawing/2014/main" id="{EC7838DD-F283-4283-BAF7-FB56C081D833}"/>
+              </a:ext>
+            </a:extLst>
+          </p:cNvPr>
+          <p:cNvPicPr>
+            <a:picLocks noChangeAspect="1"/>
+          </p:cNvPicPr>
+          <p:nvPr/>
+        </p:nvPicPr>
+        <p:blipFill>
+          <a:blip r:embed="rId9"/>
+          <a:stretch>
+            <a:fillRect/>
+          </a:stretch>
+        </p:blipFill>
+        <p:spPr>
+          <a:xfrm>
+            <a:off x="1527382" y="10404474"/>
+            <a:ext cx="1669843" cy="1669843"/>
+          </a:xfrm>
+          <a:prstGeom prst="rect">
+            <a:avLst/>
+          </a:prstGeom>
+        </p:spPr>
+      </p:pic>
+      <p:sp>
+        <p:nvSpPr>
+          <p:cNvPr id="17" name="箭头: 右 16">
+            <a:extLst>
+              <a:ext uri="{FF2B5EF4-FFF2-40B4-BE49-F238E27FC236}">
+                <a16:creationId xmlns:a16="http://schemas.microsoft.com/office/drawing/2014/main" id="{B5F52E7C-E817-4B90-BEC4-241639C4AF8D}"/>
+              </a:ext>
+            </a:extLst>
+          </p:cNvPr>
+          <p:cNvSpPr/>
+          <p:nvPr/>
+        </p:nvSpPr>
+        <p:spPr>
+          <a:xfrm rot="20077355">
+            <a:off x="10251974" y="4879679"/>
+            <a:ext cx="4495800" cy="1219200"/>
+          </a:xfrm>
+          <a:prstGeom prst="rightArrow">
+            <a:avLst/>
+          </a:prstGeom>
+          <a:solidFill>
+            <a:srgbClr val="1FB5AC"/>
+          </a:solidFill>
+          <a:ln>
+            <a:solidFill>
+              <a:srgbClr val="1EA8B6"/>
+            </a:solidFill>
+          </a:ln>
+        </p:spPr>
+        <p:style>
+          <a:lnRef idx="2">
+            <a:schemeClr val="accent1">
+              <a:shade val="50000"/>
+            </a:schemeClr>
+          </a:lnRef>
+          <a:fillRef idx="1">
+            <a:schemeClr val="accent1"/>
+          </a:fillRef>
+          <a:effectRef idx="0">
+            <a:schemeClr val="accent1"/>
+          </a:effectRef>
+          <a:fontRef idx="minor">
+            <a:schemeClr val="lt1"/>
+          </a:fontRef>
+        </p:style>
+        <p:txBody>
+          <a:bodyPr rtlCol="0" anchor="ctr"/>
+          <a:lstStyle/>
+          <a:p>
+            <a:pPr algn="ctr"/>
+            <a:endParaRPr lang="zh-CN" altLang="en-US"/>
+          </a:p>
+        </p:txBody>
+      </p:sp>
+      <p:sp>
+        <p:nvSpPr>
+          <p:cNvPr id="18" name="箭头: 右 17">
+            <a:extLst>
+              <a:ext uri="{FF2B5EF4-FFF2-40B4-BE49-F238E27FC236}">
+                <a16:creationId xmlns:a16="http://schemas.microsoft.com/office/drawing/2014/main" id="{3A4B64CC-8942-4735-9ACD-8F19F26D6CE0}"/>
+              </a:ext>
+            </a:extLst>
+          </p:cNvPr>
+          <p:cNvSpPr/>
+          <p:nvPr/>
+        </p:nvSpPr>
+        <p:spPr>
+          <a:xfrm rot="1817383">
+            <a:off x="10132021" y="7521940"/>
+            <a:ext cx="4495800" cy="1219200"/>
+          </a:xfrm>
+          <a:prstGeom prst="rightArrow">
+            <a:avLst/>
+          </a:prstGeom>
+          <a:solidFill>
+            <a:srgbClr val="1FB5AC"/>
+          </a:solidFill>
+          <a:ln>
+            <a:solidFill>
+              <a:srgbClr val="1EA8B6"/>
+            </a:solidFill>
+          </a:ln>
+        </p:spPr>
+        <p:style>
+          <a:lnRef idx="2">
+            <a:schemeClr val="accent1">
+              <a:shade val="50000"/>
+            </a:schemeClr>
+          </a:lnRef>
+          <a:fillRef idx="1">
+            <a:schemeClr val="accent1"/>
+          </a:fillRef>
+          <a:effectRef idx="0">
+            <a:schemeClr val="accent1"/>
+          </a:effectRef>
+          <a:fontRef idx="minor">
+            <a:schemeClr val="lt1"/>
+          </a:fontRef>
+        </p:style>
+        <p:txBody>
+          <a:bodyPr rtlCol="0" anchor="ctr"/>
+          <a:lstStyle/>
+          <a:p>
+            <a:pPr algn="ctr"/>
+            <a:endParaRPr lang="zh-CN" altLang="en-US"/>
+          </a:p>
+        </p:txBody>
+      </p:sp>
+      <p:pic>
+        <p:nvPicPr>
+          <p:cNvPr id="20" name="图片 19">
+            <a:extLst>
+              <a:ext uri="{FF2B5EF4-FFF2-40B4-BE49-F238E27FC236}">
+                <a16:creationId xmlns:a16="http://schemas.microsoft.com/office/drawing/2014/main" id="{497AD687-CDDE-4C0B-9CCD-C2A6A8A84083}"/>
+              </a:ext>
+            </a:extLst>
+          </p:cNvPr>
+          <p:cNvPicPr>
+            <a:picLocks noChangeAspect="1"/>
+          </p:cNvPicPr>
+          <p:nvPr/>
+        </p:nvPicPr>
+        <p:blipFill>
+          <a:blip r:embed="rId10" cstate="email">
+            <a:extLst>
+              <a:ext uri="{28A0092B-C50C-407E-A947-70E740481C1C}">
+                <a14:useLocalDpi xmlns:a14="http://schemas.microsoft.com/office/drawing/2010/main" val="0"/>
+              </a:ext>
+            </a:extLst>
+          </a:blip>
+          <a:stretch>
+            <a:fillRect/>
+          </a:stretch>
+        </p:blipFill>
+        <p:spPr>
+          <a:xfrm>
+            <a:off x="21723111" y="6010274"/>
+            <a:ext cx="1600200" cy="1600200"/>
+          </a:xfrm>
+          <a:prstGeom prst="rect">
+            <a:avLst/>
+          </a:prstGeom>
+        </p:spPr>
+      </p:pic>
+      <p:pic>
+        <p:nvPicPr>
+          <p:cNvPr id="22" name="图片 21">
+            <a:extLst>
+              <a:ext uri="{FF2B5EF4-FFF2-40B4-BE49-F238E27FC236}">
+                <a16:creationId xmlns:a16="http://schemas.microsoft.com/office/drawing/2014/main" id="{8B356E4A-47AB-4BAE-A9A7-086D106E2D58}"/>
+              </a:ext>
+            </a:extLst>
+          </p:cNvPr>
+          <p:cNvPicPr>
+            <a:picLocks noChangeAspect="1"/>
+          </p:cNvPicPr>
+          <p:nvPr/>
+        </p:nvPicPr>
+        <p:blipFill rotWithShape="1">
+          <a:blip r:embed="rId11" cstate="email">
+            <a:extLst>
+              <a:ext uri="{28A0092B-C50C-407E-A947-70E740481C1C}">
+                <a14:useLocalDpi xmlns:a14="http://schemas.microsoft.com/office/drawing/2010/main" val="0"/>
+              </a:ext>
+            </a:extLst>
+          </a:blip>
+          <a:srcRect l="11295" r="14165" b="28235"/>
+          <a:stretch/>
+        </p:blipFill>
+        <p:spPr>
+          <a:xfrm>
+            <a:off x="22059900" y="1119189"/>
+            <a:ext cx="1676400" cy="1743072"/>
+          </a:xfrm>
+          <a:prstGeom prst="rect">
+            <a:avLst/>
+          </a:prstGeom>
+        </p:spPr>
+      </p:pic>
+      <p:pic>
+        <p:nvPicPr>
+          <p:cNvPr id="24" name="图片 23">
+            <a:extLst>
+              <a:ext uri="{FF2B5EF4-FFF2-40B4-BE49-F238E27FC236}">
+                <a16:creationId xmlns:a16="http://schemas.microsoft.com/office/drawing/2014/main" id="{E7B3B4D6-FA33-4074-BE64-3BFB2BF392B5}"/>
+              </a:ext>
+            </a:extLst>
+          </p:cNvPr>
+          <p:cNvPicPr>
+            <a:picLocks noChangeAspect="1"/>
+          </p:cNvPicPr>
+          <p:nvPr/>
+        </p:nvPicPr>
+        <p:blipFill>
+          <a:blip r:embed="rId12" cstate="email">
+            <a:extLst>
+              <a:ext uri="{28A0092B-C50C-407E-A947-70E740481C1C}">
+                <a14:useLocalDpi xmlns:a14="http://schemas.microsoft.com/office/drawing/2010/main" val="0"/>
+              </a:ext>
+            </a:extLst>
+          </a:blip>
+          <a:stretch>
+            <a:fillRect/>
+          </a:stretch>
+        </p:blipFill>
+        <p:spPr>
+          <a:xfrm>
+            <a:off x="19886768" y="11699875"/>
+            <a:ext cx="1554008" cy="1554008"/>
+          </a:xfrm>
+          <a:prstGeom prst="rect">
+            <a:avLst/>
+          </a:prstGeom>
+        </p:spPr>
+      </p:pic>
+      <p:pic>
+        <p:nvPicPr>
+          <p:cNvPr id="26" name="图片 25">
+            <a:extLst>
+              <a:ext uri="{FF2B5EF4-FFF2-40B4-BE49-F238E27FC236}">
+                <a16:creationId xmlns:a16="http://schemas.microsoft.com/office/drawing/2014/main" id="{472145CF-6B83-48F2-826B-1217A198642C}"/>
+              </a:ext>
+            </a:extLst>
+          </p:cNvPr>
+          <p:cNvPicPr>
+            <a:picLocks noChangeAspect="1"/>
+          </p:cNvPicPr>
+          <p:nvPr/>
+        </p:nvPicPr>
+        <p:blipFill>
+          <a:blip r:embed="rId13" cstate="email">
+            <a:extLst>
+              <a:ext uri="{28A0092B-C50C-407E-A947-70E740481C1C}">
+                <a14:useLocalDpi xmlns:a14="http://schemas.microsoft.com/office/drawing/2010/main" val="0"/>
+              </a:ext>
+            </a:extLst>
+          </a:blip>
+          <a:stretch>
+            <a:fillRect/>
+          </a:stretch>
+        </p:blipFill>
+        <p:spPr>
+          <a:xfrm>
+            <a:off x="13959040" y="11390465"/>
+            <a:ext cx="1554009" cy="1554009"/>
+          </a:xfrm>
+          <a:prstGeom prst="rect">
+            <a:avLst/>
+          </a:prstGeom>
+        </p:spPr>
+      </p:pic>
+      <p:sp>
+        <p:nvSpPr>
+          <p:cNvPr id="28" name="文本框 27">
+            <a:extLst>
+              <a:ext uri="{FF2B5EF4-FFF2-40B4-BE49-F238E27FC236}">
+                <a16:creationId xmlns:a16="http://schemas.microsoft.com/office/drawing/2014/main" id="{556C20BD-FAF9-41E9-9B9E-F01EAE655352}"/>
+              </a:ext>
+            </a:extLst>
+          </p:cNvPr>
+          <p:cNvSpPr txBox="1"/>
+          <p:nvPr/>
+        </p:nvSpPr>
+        <p:spPr>
+          <a:xfrm>
+            <a:off x="1778141" y="3286125"/>
+            <a:ext cx="5188055" cy="1754326"/>
+          </a:xfrm>
+          <a:prstGeom prst="rect">
+            <a:avLst/>
+          </a:prstGeom>
+          <a:noFill/>
+        </p:spPr>
+        <p:txBody>
+          <a:bodyPr wrap="square" rtlCol="0">
+            <a:spAutoFit/>
+          </a:bodyPr>
+          <a:lstStyle/>
+          <a:p>
+            <a:pPr algn="ctr"/>
+            <a:r>
+              <a:rPr lang="en-US" altLang="zh-CN" sz="5400" b="1" dirty="0">
+                <a:solidFill>
+                  <a:schemeClr val="tx2"/>
+                </a:solidFill>
+              </a:rPr>
+              <a:t>Token </a:t>
+            </a:r>
+          </a:p>
+          <a:p>
+            <a:pPr algn="ctr"/>
+            <a:r>
+              <a:rPr lang="en-US" altLang="zh-CN" sz="5400" b="1" dirty="0">
+                <a:solidFill>
+                  <a:schemeClr val="tx2"/>
+                </a:solidFill>
+              </a:rPr>
+              <a:t>cryptocurrency</a:t>
+            </a:r>
+            <a:endParaRPr lang="zh-CN" altLang="en-US" sz="5400" b="1" dirty="0">
+              <a:solidFill>
+                <a:schemeClr val="tx2"/>
+              </a:solidFill>
+            </a:endParaRPr>
+          </a:p>
+        </p:txBody>
+      </p:sp>
+      <p:sp>
+        <p:nvSpPr>
+          <p:cNvPr id="29" name="文本框 28">
+            <a:extLst>
+              <a:ext uri="{FF2B5EF4-FFF2-40B4-BE49-F238E27FC236}">
+                <a16:creationId xmlns:a16="http://schemas.microsoft.com/office/drawing/2014/main" id="{AD1C928E-D787-4A32-AA8E-CDEA492F12FC}"/>
+              </a:ext>
+            </a:extLst>
+          </p:cNvPr>
+          <p:cNvSpPr txBox="1"/>
+          <p:nvPr/>
+        </p:nvSpPr>
+        <p:spPr>
+          <a:xfrm>
+            <a:off x="15197083" y="995935"/>
+            <a:ext cx="5188055" cy="923330"/>
+          </a:xfrm>
+          <a:prstGeom prst="rect">
+            <a:avLst/>
+          </a:prstGeom>
+          <a:noFill/>
+        </p:spPr>
+        <p:txBody>
+          <a:bodyPr wrap="square" rtlCol="0">
+            <a:spAutoFit/>
+          </a:bodyPr>
+          <a:lstStyle/>
+          <a:p>
+            <a:pPr algn="ctr"/>
+            <a:r>
+              <a:rPr lang="en-US" altLang="zh-CN" sz="5400" b="1" dirty="0">
+                <a:solidFill>
+                  <a:schemeClr val="tx2"/>
+                </a:solidFill>
+              </a:rPr>
+              <a:t>Product</a:t>
+            </a:r>
+            <a:endParaRPr lang="zh-CN" altLang="en-US" sz="5400" b="1" dirty="0">
+              <a:solidFill>
+                <a:schemeClr val="tx2"/>
+              </a:solidFill>
+            </a:endParaRPr>
+          </a:p>
+        </p:txBody>
+      </p:sp>
+      <p:sp>
+        <p:nvSpPr>
+          <p:cNvPr id="30" name="文本框 29">
+            <a:extLst>
+              <a:ext uri="{FF2B5EF4-FFF2-40B4-BE49-F238E27FC236}">
+                <a16:creationId xmlns:a16="http://schemas.microsoft.com/office/drawing/2014/main" id="{1BB70147-A881-4038-B595-F580B3B2DB89}"/>
+              </a:ext>
+            </a:extLst>
+          </p:cNvPr>
+          <p:cNvSpPr txBox="1"/>
+          <p:nvPr/>
+        </p:nvSpPr>
+        <p:spPr>
+          <a:xfrm>
+            <a:off x="15197082" y="6306271"/>
+            <a:ext cx="5188055" cy="923330"/>
+          </a:xfrm>
+          <a:prstGeom prst="rect">
+            <a:avLst/>
+          </a:prstGeom>
+          <a:noFill/>
+        </p:spPr>
+        <p:txBody>
+          <a:bodyPr wrap="square" rtlCol="0">
+            <a:spAutoFit/>
+          </a:bodyPr>
+          <a:lstStyle/>
+          <a:p>
+            <a:pPr algn="ctr"/>
+            <a:r>
+              <a:rPr lang="en-US" altLang="zh-CN" sz="5400" b="1" dirty="0">
+                <a:solidFill>
+                  <a:schemeClr val="tx2"/>
+                </a:solidFill>
+              </a:rPr>
+              <a:t>Service</a:t>
+            </a:r>
+            <a:endParaRPr lang="zh-CN" altLang="en-US" sz="5400" b="1" dirty="0">
+              <a:solidFill>
+                <a:schemeClr val="tx2"/>
+              </a:solidFill>
+            </a:endParaRPr>
+          </a:p>
+        </p:txBody>
+      </p:sp>
+    </p:spTree>
+    <p:extLst>
+      <p:ext uri="{BB962C8B-B14F-4D97-AF65-F5344CB8AC3E}">
+        <p14:creationId xmlns:p14="http://schemas.microsoft.com/office/powerpoint/2010/main" val="1743852556"/>
+      </p:ext>
+    </p:extLst>
+  </p:cSld>
+  <p:clrMapOvr>
+    <a:masterClrMapping/>
+  </p:clrMapOvr>
+  <p:transition spd="slow" advClick="0" advTm="1000">
+    <p:push/>
+  </p:transition>
+</p:sld>
+</file>
+
+<file path=ppt/slides/slide3.xml><?xml version="1.0" encoding="utf-8"?>
 <p:sld xmlns:a="http://schemas.openxmlformats.org/drawingml/2006/main" xmlns:r="http://schemas.openxmlformats.org/officeDocument/2006/relationships" xmlns:p="http://schemas.openxmlformats.org/presentationml/2006/main">
   <p:cSld>
     <p:spTree>
@@ -6435,7 +7926,7 @@
 </p:sld>
 </file>
 
-<file path=ppt/slides/slide3.xml><?xml version="1.0" encoding="utf-8"?>
+<file path=ppt/slides/slide4.xml><?xml version="1.0" encoding="utf-8"?>
 <p:sld xmlns:a="http://schemas.openxmlformats.org/drawingml/2006/main" xmlns:r="http://schemas.openxmlformats.org/officeDocument/2006/relationships" xmlns:p="http://schemas.openxmlformats.org/presentationml/2006/main">
   <p:cSld>
     <p:spTree>
@@ -7260,7 +8751,7 @@
 </p:sld>
 </file>
 
-<file path=ppt/slides/slide4.xml><?xml version="1.0" encoding="utf-8"?>
+<file path=ppt/slides/slide5.xml><?xml version="1.0" encoding="utf-8"?>
 <p:sld xmlns:a="http://schemas.openxmlformats.org/drawingml/2006/main" xmlns:r="http://schemas.openxmlformats.org/officeDocument/2006/relationships" xmlns:p="http://schemas.openxmlformats.org/presentationml/2006/main">
   <p:cSld>
     <p:spTree>
@@ -8237,7 +9728,7 @@
 </p:sld>
 </file>
 
-<file path=ppt/slides/slide5.xml><?xml version="1.0" encoding="utf-8"?>
+<file path=ppt/slides/slide6.xml><?xml version="1.0" encoding="utf-8"?>
 <p:sld xmlns:a="http://schemas.openxmlformats.org/drawingml/2006/main" xmlns:r="http://schemas.openxmlformats.org/officeDocument/2006/relationships" xmlns:p="http://schemas.openxmlformats.org/presentationml/2006/main">
   <p:cSld>
     <p:spTree>
@@ -9240,7 +10731,7 @@
 </p:sld>
 </file>
 
-<file path=ppt/slides/slide6.xml><?xml version="1.0" encoding="utf-8"?>
+<file path=ppt/slides/slide7.xml><?xml version="1.0" encoding="utf-8"?>
 <p:sld xmlns:a="http://schemas.openxmlformats.org/drawingml/2006/main" xmlns:r="http://schemas.openxmlformats.org/officeDocument/2006/relationships" xmlns:p="http://schemas.openxmlformats.org/presentationml/2006/main">
   <p:cSld>
     <p:spTree>
@@ -9991,7 +11482,7 @@
 </p:sld>
 </file>
 
-<file path=ppt/slides/slide7.xml><?xml version="1.0" encoding="utf-8"?>
+<file path=ppt/slides/slide8.xml><?xml version="1.0" encoding="utf-8"?>
 <p:sld xmlns:a="http://schemas.openxmlformats.org/drawingml/2006/main" xmlns:r="http://schemas.openxmlformats.org/officeDocument/2006/relationships" xmlns:p="http://schemas.openxmlformats.org/presentationml/2006/main">
   <p:cSld>
     <p:spTree>
@@ -11134,7 +12625,7 @@
 </p:sld>
 </file>
 
-<file path=ppt/slides/slide8.xml><?xml version="1.0" encoding="utf-8"?>
+<file path=ppt/slides/slide9.xml><?xml version="1.0" encoding="utf-8"?>
 <p:sld xmlns:a="http://schemas.openxmlformats.org/drawingml/2006/main" xmlns:r="http://schemas.openxmlformats.org/officeDocument/2006/relationships" xmlns:p="http://schemas.openxmlformats.org/presentationml/2006/main">
   <p:cSld>
     <p:spTree>
@@ -12165,696 +13656,6 @@
     <p:extLst>
       <p:ext uri="{BB962C8B-B14F-4D97-AF65-F5344CB8AC3E}">
         <p14:creationId xmlns:p14="http://schemas.microsoft.com/office/powerpoint/2010/main" val="2558129446"/>
-      </p:ext>
-    </p:extLst>
-  </p:cSld>
-  <p:clrMapOvr>
-    <a:masterClrMapping/>
-  </p:clrMapOvr>
-  <p:transition spd="slow" advClick="0" advTm="1000">
-    <p:push/>
-  </p:transition>
-</p:sld>
-</file>
-
-<file path=ppt/slides/slide9.xml><?xml version="1.0" encoding="utf-8"?>
-<p:sld xmlns:a="http://schemas.openxmlformats.org/drawingml/2006/main" xmlns:r="http://schemas.openxmlformats.org/officeDocument/2006/relationships" xmlns:p="http://schemas.openxmlformats.org/presentationml/2006/main">
-  <p:cSld>
-    <p:spTree>
-      <p:nvGrpSpPr>
-        <p:cNvPr id="1" name=""/>
-        <p:cNvGrpSpPr/>
-        <p:nvPr/>
-      </p:nvGrpSpPr>
-      <p:grpSpPr>
-        <a:xfrm>
-          <a:off x="0" y="0"/>
-          <a:ext cx="0" cy="0"/>
-          <a:chOff x="0" y="0"/>
-          <a:chExt cx="0" cy="0"/>
-        </a:xfrm>
-      </p:grpSpPr>
-      <p:sp>
-        <p:nvSpPr>
-          <p:cNvPr id="8" name="Прямоугольник 1"/>
-          <p:cNvSpPr/>
-          <p:nvPr/>
-        </p:nvSpPr>
-        <p:spPr>
-          <a:xfrm>
-            <a:off x="12188825" y="304800"/>
-            <a:ext cx="11811000" cy="13106400"/>
-          </a:xfrm>
-          <a:prstGeom prst="rect">
-            <a:avLst/>
-          </a:prstGeom>
-          <a:solidFill>
-            <a:srgbClr val="1FB5AC"/>
-          </a:solidFill>
-          <a:ln>
-            <a:noFill/>
-          </a:ln>
-        </p:spPr>
-        <p:style>
-          <a:lnRef idx="2">
-            <a:schemeClr val="accent1">
-              <a:shade val="50000"/>
-            </a:schemeClr>
-          </a:lnRef>
-          <a:fillRef idx="1">
-            <a:schemeClr val="accent1"/>
-          </a:fillRef>
-          <a:effectRef idx="0">
-            <a:schemeClr val="accent1"/>
-          </a:effectRef>
-          <a:fontRef idx="minor">
-            <a:schemeClr val="lt1"/>
-          </a:fontRef>
-        </p:style>
-        <p:txBody>
-          <a:bodyPr rtlCol="0" anchor="ctr"/>
-          <a:lstStyle/>
-          <a:p>
-            <a:pPr algn="ctr"/>
-            <a:endParaRPr lang="en-US"/>
-          </a:p>
-        </p:txBody>
-      </p:sp>
-      <p:sp>
-        <p:nvSpPr>
-          <p:cNvPr id="5" name="椭圆 4">
-            <a:extLst>
-              <a:ext uri="{FF2B5EF4-FFF2-40B4-BE49-F238E27FC236}">
-                <a16:creationId xmlns:a16="http://schemas.microsoft.com/office/drawing/2014/main" id="{3D7B83CD-61BE-4123-A3C9-67502BF07EAA}"/>
-              </a:ext>
-            </a:extLst>
-          </p:cNvPr>
-          <p:cNvSpPr/>
-          <p:nvPr/>
-        </p:nvSpPr>
-        <p:spPr>
-          <a:xfrm>
-            <a:off x="1282740" y="2895600"/>
-            <a:ext cx="9829800" cy="9829800"/>
-          </a:xfrm>
-          <a:prstGeom prst="ellipse">
-            <a:avLst/>
-          </a:prstGeom>
-          <a:noFill/>
-          <a:ln>
-            <a:solidFill>
-              <a:schemeClr val="tx2"/>
-            </a:solidFill>
-          </a:ln>
-        </p:spPr>
-        <p:style>
-          <a:lnRef idx="2">
-            <a:schemeClr val="accent1">
-              <a:shade val="50000"/>
-            </a:schemeClr>
-          </a:lnRef>
-          <a:fillRef idx="1">
-            <a:schemeClr val="accent1"/>
-          </a:fillRef>
-          <a:effectRef idx="0">
-            <a:schemeClr val="accent1"/>
-          </a:effectRef>
-          <a:fontRef idx="minor">
-            <a:schemeClr val="lt1"/>
-          </a:fontRef>
-        </p:style>
-        <p:txBody>
-          <a:bodyPr rtlCol="0" anchor="ctr"/>
-          <a:lstStyle/>
-          <a:p>
-            <a:pPr algn="ctr"/>
-            <a:endParaRPr lang="zh-CN" altLang="en-US"/>
-          </a:p>
-        </p:txBody>
-      </p:sp>
-      <p:sp>
-        <p:nvSpPr>
-          <p:cNvPr id="12" name="椭圆 11">
-            <a:extLst>
-              <a:ext uri="{FF2B5EF4-FFF2-40B4-BE49-F238E27FC236}">
-                <a16:creationId xmlns:a16="http://schemas.microsoft.com/office/drawing/2014/main" id="{B3B272E1-811C-4FEF-B35F-6D1D46AB3161}"/>
-              </a:ext>
-            </a:extLst>
-          </p:cNvPr>
-          <p:cNvSpPr/>
-          <p:nvPr/>
-        </p:nvSpPr>
-        <p:spPr>
-          <a:xfrm>
-            <a:off x="2740025" y="5490627"/>
-            <a:ext cx="7234773" cy="7234773"/>
-          </a:xfrm>
-          <a:prstGeom prst="ellipse">
-            <a:avLst/>
-          </a:prstGeom>
-          <a:noFill/>
-          <a:ln>
-            <a:solidFill>
-              <a:schemeClr val="tx2"/>
-            </a:solidFill>
-          </a:ln>
-        </p:spPr>
-        <p:style>
-          <a:lnRef idx="2">
-            <a:schemeClr val="accent1">
-              <a:shade val="50000"/>
-            </a:schemeClr>
-          </a:lnRef>
-          <a:fillRef idx="1">
-            <a:schemeClr val="accent1"/>
-          </a:fillRef>
-          <a:effectRef idx="0">
-            <a:schemeClr val="accent1"/>
-          </a:effectRef>
-          <a:fontRef idx="minor">
-            <a:schemeClr val="lt1"/>
-          </a:fontRef>
-        </p:style>
-        <p:txBody>
-          <a:bodyPr rtlCol="0" anchor="ctr"/>
-          <a:lstStyle/>
-          <a:p>
-            <a:pPr algn="ctr"/>
-            <a:endParaRPr lang="zh-CN" altLang="en-US"/>
-          </a:p>
-        </p:txBody>
-      </p:sp>
-      <p:sp>
-        <p:nvSpPr>
-          <p:cNvPr id="15" name="椭圆 14">
-            <a:extLst>
-              <a:ext uri="{FF2B5EF4-FFF2-40B4-BE49-F238E27FC236}">
-                <a16:creationId xmlns:a16="http://schemas.microsoft.com/office/drawing/2014/main" id="{9976CAC1-B47A-40FF-BE43-E940FA5CD1E4}"/>
-              </a:ext>
-            </a:extLst>
-          </p:cNvPr>
-          <p:cNvSpPr/>
-          <p:nvPr/>
-        </p:nvSpPr>
-        <p:spPr>
-          <a:xfrm>
-            <a:off x="4014003" y="8358128"/>
-            <a:ext cx="4367272" cy="4367272"/>
-          </a:xfrm>
-          <a:prstGeom prst="ellipse">
-            <a:avLst/>
-          </a:prstGeom>
-          <a:noFill/>
-          <a:ln>
-            <a:solidFill>
-              <a:schemeClr val="tx2"/>
-            </a:solidFill>
-          </a:ln>
-        </p:spPr>
-        <p:style>
-          <a:lnRef idx="2">
-            <a:schemeClr val="accent1">
-              <a:shade val="50000"/>
-            </a:schemeClr>
-          </a:lnRef>
-          <a:fillRef idx="1">
-            <a:schemeClr val="accent1"/>
-          </a:fillRef>
-          <a:effectRef idx="0">
-            <a:schemeClr val="accent1"/>
-          </a:effectRef>
-          <a:fontRef idx="minor">
-            <a:schemeClr val="lt1"/>
-          </a:fontRef>
-        </p:style>
-        <p:txBody>
-          <a:bodyPr rtlCol="0" anchor="ctr"/>
-          <a:lstStyle/>
-          <a:p>
-            <a:pPr algn="ctr"/>
-            <a:endParaRPr lang="zh-CN" altLang="en-US"/>
-          </a:p>
-        </p:txBody>
-      </p:sp>
-      <p:sp>
-        <p:nvSpPr>
-          <p:cNvPr id="6" name="文本框 5">
-            <a:extLst>
-              <a:ext uri="{FF2B5EF4-FFF2-40B4-BE49-F238E27FC236}">
-                <a16:creationId xmlns:a16="http://schemas.microsoft.com/office/drawing/2014/main" id="{15E65328-219D-45D1-8F31-C5B09E3FC866}"/>
-              </a:ext>
-            </a:extLst>
-          </p:cNvPr>
-          <p:cNvSpPr txBox="1"/>
-          <p:nvPr/>
-        </p:nvSpPr>
-        <p:spPr>
-          <a:xfrm>
-            <a:off x="4173775" y="3765827"/>
-            <a:ext cx="4367272" cy="1323439"/>
-          </a:xfrm>
-          <a:prstGeom prst="rect">
-            <a:avLst/>
-          </a:prstGeom>
-          <a:noFill/>
-        </p:spPr>
-        <p:txBody>
-          <a:bodyPr wrap="square" rtlCol="0">
-            <a:spAutoFit/>
-          </a:bodyPr>
-          <a:lstStyle/>
-          <a:p>
-            <a:pPr algn="ctr"/>
-            <a:r>
-              <a:rPr lang="en-US" altLang="zh-CN" sz="4000" dirty="0">
-                <a:solidFill>
-                  <a:srgbClr val="1FB5AC"/>
-                </a:solidFill>
-              </a:rPr>
-              <a:t>1,900 ICO / mo. globally</a:t>
-            </a:r>
-            <a:endParaRPr lang="zh-CN" altLang="en-US" sz="4000" dirty="0">
-              <a:solidFill>
-                <a:srgbClr val="1FB5AC"/>
-              </a:solidFill>
-            </a:endParaRPr>
-          </a:p>
-        </p:txBody>
-      </p:sp>
-      <p:sp>
-        <p:nvSpPr>
-          <p:cNvPr id="16" name="文本框 15">
-            <a:extLst>
-              <a:ext uri="{FF2B5EF4-FFF2-40B4-BE49-F238E27FC236}">
-                <a16:creationId xmlns:a16="http://schemas.microsoft.com/office/drawing/2014/main" id="{6B8D3E7B-9CFE-4FC4-8265-929E695CD074}"/>
-              </a:ext>
-            </a:extLst>
-          </p:cNvPr>
-          <p:cNvSpPr txBox="1"/>
-          <p:nvPr/>
-        </p:nvSpPr>
-        <p:spPr>
-          <a:xfrm>
-            <a:off x="3950086" y="6487061"/>
-            <a:ext cx="4814650" cy="1323439"/>
-          </a:xfrm>
-          <a:prstGeom prst="rect">
-            <a:avLst/>
-          </a:prstGeom>
-          <a:noFill/>
-        </p:spPr>
-        <p:txBody>
-          <a:bodyPr wrap="square" rtlCol="0">
-            <a:spAutoFit/>
-          </a:bodyPr>
-          <a:lstStyle/>
-          <a:p>
-            <a:pPr algn="ctr"/>
-            <a:r>
-              <a:rPr lang="en-US" altLang="zh-CN" sz="4000" dirty="0">
-                <a:solidFill>
-                  <a:srgbClr val="1FB5AC"/>
-                </a:solidFill>
-              </a:rPr>
-              <a:t>600 ICO / mo. Available globally</a:t>
-            </a:r>
-            <a:endParaRPr lang="zh-CN" altLang="en-US" sz="4000" dirty="0">
-              <a:solidFill>
-                <a:srgbClr val="1FB5AC"/>
-              </a:solidFill>
-            </a:endParaRPr>
-          </a:p>
-        </p:txBody>
-      </p:sp>
-      <p:sp>
-        <p:nvSpPr>
-          <p:cNvPr id="17" name="文本框 16">
-            <a:extLst>
-              <a:ext uri="{FF2B5EF4-FFF2-40B4-BE49-F238E27FC236}">
-                <a16:creationId xmlns:a16="http://schemas.microsoft.com/office/drawing/2014/main" id="{F00BB768-5199-467F-A2F9-A9AA5117EBC2}"/>
-              </a:ext>
-            </a:extLst>
-          </p:cNvPr>
-          <p:cNvSpPr txBox="1"/>
-          <p:nvPr/>
-        </p:nvSpPr>
-        <p:spPr>
-          <a:xfrm>
-            <a:off x="3790314" y="9880044"/>
-            <a:ext cx="4814650" cy="1323439"/>
-          </a:xfrm>
-          <a:prstGeom prst="rect">
-            <a:avLst/>
-          </a:prstGeom>
-          <a:noFill/>
-        </p:spPr>
-        <p:txBody>
-          <a:bodyPr wrap="square" rtlCol="0">
-            <a:spAutoFit/>
-          </a:bodyPr>
-          <a:lstStyle/>
-          <a:p>
-            <a:pPr algn="ctr"/>
-            <a:r>
-              <a:rPr lang="en-US" altLang="zh-CN" sz="4000" dirty="0">
-                <a:solidFill>
-                  <a:srgbClr val="1FB5AC"/>
-                </a:solidFill>
-              </a:rPr>
-              <a:t>480 ICO / mo. Servable </a:t>
-            </a:r>
-            <a:endParaRPr lang="zh-CN" altLang="en-US" sz="4000" dirty="0">
-              <a:solidFill>
-                <a:srgbClr val="1FB5AC"/>
-              </a:solidFill>
-            </a:endParaRPr>
-          </a:p>
-        </p:txBody>
-      </p:sp>
-      <p:sp>
-        <p:nvSpPr>
-          <p:cNvPr id="18" name="文本框 17">
-            <a:extLst>
-              <a:ext uri="{FF2B5EF4-FFF2-40B4-BE49-F238E27FC236}">
-                <a16:creationId xmlns:a16="http://schemas.microsoft.com/office/drawing/2014/main" id="{78D0F920-ED58-4A39-A825-72D004C65AD8}"/>
-              </a:ext>
-            </a:extLst>
-          </p:cNvPr>
-          <p:cNvSpPr txBox="1"/>
-          <p:nvPr/>
-        </p:nvSpPr>
-        <p:spPr>
-          <a:xfrm>
-            <a:off x="13782348" y="1579632"/>
-            <a:ext cx="9153485" cy="10556736"/>
-          </a:xfrm>
-          <a:prstGeom prst="rect">
-            <a:avLst/>
-          </a:prstGeom>
-          <a:noFill/>
-        </p:spPr>
-        <p:txBody>
-          <a:bodyPr wrap="square" rtlCol="0">
-            <a:spAutoFit/>
-          </a:bodyPr>
-          <a:lstStyle/>
-          <a:p>
-            <a:r>
-              <a:rPr lang="en-US" altLang="zh-CN" sz="4000" dirty="0">
-                <a:solidFill>
-                  <a:schemeClr val="bg1"/>
-                </a:solidFill>
-              </a:rPr>
-              <a:t>TAM: </a:t>
-            </a:r>
-          </a:p>
-          <a:p>
-            <a:endParaRPr lang="en-US" altLang="zh-CN" sz="4000" dirty="0">
-              <a:solidFill>
-                <a:schemeClr val="bg1"/>
-              </a:solidFill>
-            </a:endParaRPr>
-          </a:p>
-          <a:p>
-            <a:pPr marL="571500" indent="-571500">
-              <a:buFont typeface="Arial" panose="020B0604020202020204" pitchFamily="34" charset="0"/>
-              <a:buChar char="•"/>
-            </a:pPr>
-            <a:r>
-              <a:rPr lang="en-US" altLang="zh-CN" sz="4000" dirty="0">
-                <a:solidFill>
-                  <a:schemeClr val="bg1"/>
-                </a:solidFill>
-              </a:rPr>
-              <a:t>By statistic from </a:t>
-            </a:r>
-            <a:r>
-              <a:rPr lang="en-US" altLang="zh-CN" sz="4000" dirty="0" err="1">
-                <a:solidFill>
-                  <a:schemeClr val="bg1"/>
-                </a:solidFill>
-              </a:rPr>
-              <a:t>coinmarketcap</a:t>
-            </a:r>
-            <a:r>
-              <a:rPr lang="en-US" altLang="zh-CN" sz="4000" dirty="0">
-                <a:solidFill>
-                  <a:schemeClr val="bg1"/>
-                </a:solidFill>
-              </a:rPr>
-              <a:t>, averagely 1,900 new token registration per month </a:t>
-            </a:r>
-          </a:p>
-          <a:p>
-            <a:endParaRPr lang="en-US" altLang="zh-CN" sz="4000" dirty="0">
-              <a:solidFill>
-                <a:schemeClr val="bg1"/>
-              </a:solidFill>
-            </a:endParaRPr>
-          </a:p>
-          <a:p>
-            <a:r>
-              <a:rPr lang="en-US" altLang="zh-CN" sz="4000" dirty="0">
-                <a:solidFill>
-                  <a:schemeClr val="bg1"/>
-                </a:solidFill>
-              </a:rPr>
-              <a:t>SAM: </a:t>
-            </a:r>
-          </a:p>
-          <a:p>
-            <a:endParaRPr lang="en-US" altLang="zh-CN" sz="4000" dirty="0">
-              <a:solidFill>
-                <a:schemeClr val="bg1"/>
-              </a:solidFill>
-            </a:endParaRPr>
-          </a:p>
-          <a:p>
-            <a:pPr marL="571500" indent="-571500">
-              <a:buFont typeface="Arial" panose="020B0604020202020204" pitchFamily="34" charset="0"/>
-              <a:buChar char="•"/>
-            </a:pPr>
-            <a:r>
-              <a:rPr lang="en-US" altLang="zh-CN" sz="4000" dirty="0">
-                <a:solidFill>
-                  <a:schemeClr val="bg1"/>
-                </a:solidFill>
-              </a:rPr>
-              <a:t>From statistic from icodata.io and icoservice.io there are 600 ICO available in NA.</a:t>
-            </a:r>
-          </a:p>
-          <a:p>
-            <a:endParaRPr lang="en-US" altLang="zh-CN" sz="4000" dirty="0">
-              <a:solidFill>
-                <a:schemeClr val="bg1"/>
-              </a:solidFill>
-            </a:endParaRPr>
-          </a:p>
-          <a:p>
-            <a:r>
-              <a:rPr lang="en-US" altLang="zh-CN" sz="4000" dirty="0">
-                <a:solidFill>
-                  <a:schemeClr val="bg1"/>
-                </a:solidFill>
-              </a:rPr>
-              <a:t>SOM:</a:t>
-            </a:r>
-          </a:p>
-          <a:p>
-            <a:endParaRPr lang="en-US" altLang="zh-CN" sz="4000" dirty="0">
-              <a:solidFill>
-                <a:schemeClr val="bg1"/>
-              </a:solidFill>
-            </a:endParaRPr>
-          </a:p>
-          <a:p>
-            <a:pPr marL="571500" indent="-571500">
-              <a:buFont typeface="Arial" panose="020B0604020202020204" pitchFamily="34" charset="0"/>
-              <a:buChar char="•"/>
-            </a:pPr>
-            <a:r>
-              <a:rPr lang="en-US" altLang="zh-CN" sz="4000" dirty="0">
-                <a:solidFill>
-                  <a:schemeClr val="bg1"/>
-                </a:solidFill>
-              </a:rPr>
-              <a:t>According to validation, 80% of SAM</a:t>
-            </a:r>
-          </a:p>
-          <a:p>
-            <a:endParaRPr lang="en-US" altLang="zh-CN" sz="4000" dirty="0">
-              <a:solidFill>
-                <a:schemeClr val="bg1"/>
-              </a:solidFill>
-            </a:endParaRPr>
-          </a:p>
-          <a:p>
-            <a:r>
-              <a:rPr lang="en-US" altLang="zh-CN" sz="4000" dirty="0">
-                <a:solidFill>
-                  <a:schemeClr val="bg1"/>
-                </a:solidFill>
-              </a:rPr>
-              <a:t>Means: $86,400 revenue per month.</a:t>
-            </a:r>
-            <a:endParaRPr lang="zh-CN" altLang="en-US" sz="4000" dirty="0">
-              <a:solidFill>
-                <a:schemeClr val="bg1"/>
-              </a:solidFill>
-            </a:endParaRPr>
-          </a:p>
-        </p:txBody>
-      </p:sp>
-      <p:sp>
-        <p:nvSpPr>
-          <p:cNvPr id="19" name="文本框 18">
-            <a:extLst>
-              <a:ext uri="{FF2B5EF4-FFF2-40B4-BE49-F238E27FC236}">
-                <a16:creationId xmlns:a16="http://schemas.microsoft.com/office/drawing/2014/main" id="{EA30E5E3-E256-4162-8959-6D8678198F01}"/>
-              </a:ext>
-            </a:extLst>
-          </p:cNvPr>
-          <p:cNvSpPr txBox="1"/>
-          <p:nvPr/>
-        </p:nvSpPr>
-        <p:spPr>
-          <a:xfrm>
-            <a:off x="1675853" y="826056"/>
-            <a:ext cx="9363115" cy="923330"/>
-          </a:xfrm>
-          <a:prstGeom prst="rect">
-            <a:avLst/>
-          </a:prstGeom>
-          <a:noFill/>
-        </p:spPr>
-        <p:txBody>
-          <a:bodyPr wrap="square" rtlCol="0">
-            <a:spAutoFit/>
-          </a:bodyPr>
-          <a:lstStyle/>
-          <a:p>
-            <a:pPr algn="ctr"/>
-            <a:r>
-              <a:rPr lang="en-US" altLang="zh-CN" sz="5400" dirty="0">
-                <a:solidFill>
-                  <a:schemeClr val="tx2"/>
-                </a:solidFill>
-              </a:rPr>
-              <a:t>Market Size</a:t>
-            </a:r>
-            <a:endParaRPr lang="zh-CN" altLang="en-US" sz="5400" dirty="0">
-              <a:solidFill>
-                <a:schemeClr val="tx2"/>
-              </a:solidFill>
-            </a:endParaRPr>
-          </a:p>
-        </p:txBody>
-      </p:sp>
-      <p:sp>
-        <p:nvSpPr>
-          <p:cNvPr id="20" name="Овал 25">
-            <a:extLst>
-              <a:ext uri="{FF2B5EF4-FFF2-40B4-BE49-F238E27FC236}">
-                <a16:creationId xmlns:a16="http://schemas.microsoft.com/office/drawing/2014/main" id="{EB2A2967-5902-4B66-9435-DC3C51D141DF}"/>
-              </a:ext>
-            </a:extLst>
-          </p:cNvPr>
-          <p:cNvSpPr/>
-          <p:nvPr/>
-        </p:nvSpPr>
-        <p:spPr>
-          <a:xfrm>
-            <a:off x="11203429" y="11515156"/>
-            <a:ext cx="1896046" cy="1896044"/>
-          </a:xfrm>
-          <a:prstGeom prst="ellipse">
-            <a:avLst/>
-          </a:prstGeom>
-          <a:solidFill>
-            <a:schemeClr val="tx2"/>
-          </a:solidFill>
-          <a:ln>
-            <a:noFill/>
-          </a:ln>
-        </p:spPr>
-        <p:style>
-          <a:lnRef idx="2">
-            <a:schemeClr val="accent1">
-              <a:shade val="50000"/>
-            </a:schemeClr>
-          </a:lnRef>
-          <a:fillRef idx="1">
-            <a:schemeClr val="accent1"/>
-          </a:fillRef>
-          <a:effectRef idx="0">
-            <a:schemeClr val="accent1"/>
-          </a:effectRef>
-          <a:fontRef idx="minor">
-            <a:schemeClr val="lt1"/>
-          </a:fontRef>
-        </p:style>
-        <p:txBody>
-          <a:bodyPr rtlCol="0" anchor="ctr"/>
-          <a:lstStyle/>
-          <a:p>
-            <a:pPr algn="ctr"/>
-            <a:endParaRPr lang="ru-RU"/>
-          </a:p>
-        </p:txBody>
-      </p:sp>
-      <p:sp>
-        <p:nvSpPr>
-          <p:cNvPr id="21" name="TextBox 64">
-            <a:extLst>
-              <a:ext uri="{FF2B5EF4-FFF2-40B4-BE49-F238E27FC236}">
-                <a16:creationId xmlns:a16="http://schemas.microsoft.com/office/drawing/2014/main" id="{80E315F4-5A53-408A-B2BB-3C1D0E7145D2}"/>
-              </a:ext>
-            </a:extLst>
-          </p:cNvPr>
-          <p:cNvSpPr txBox="1"/>
-          <p:nvPr/>
-        </p:nvSpPr>
-        <p:spPr>
-          <a:xfrm>
-            <a:off x="11048009" y="12243481"/>
-            <a:ext cx="2206884" cy="1118255"/>
-          </a:xfrm>
-          <a:prstGeom prst="rect">
-            <a:avLst/>
-          </a:prstGeom>
-          <a:noFill/>
-        </p:spPr>
-        <p:txBody>
-          <a:bodyPr wrap="square" rtlCol="0">
-            <a:spAutoFit/>
-          </a:bodyPr>
-          <a:lstStyle/>
-          <a:p>
-            <a:pPr algn="ctr"/>
-            <a:r>
-              <a:rPr lang="zh-CN" altLang="en-US" sz="10000" baseline="30000" dirty="0">
-                <a:solidFill>
-                  <a:schemeClr val="bg1"/>
-                </a:solidFill>
-                <a:latin typeface="华文行楷" panose="02010800040101010101" pitchFamily="2" charset="-122"/>
-                <a:ea typeface="华文行楷" panose="02010800040101010101" pitchFamily="2" charset="-122"/>
-              </a:rPr>
-              <a:t>市</a:t>
-            </a:r>
-            <a:endParaRPr lang="en-US" sz="10000" baseline="30000" dirty="0">
-              <a:solidFill>
-                <a:schemeClr val="bg1"/>
-              </a:solidFill>
-              <a:latin typeface="华文行楷" panose="02010800040101010101" pitchFamily="2" charset="-122"/>
-              <a:ea typeface="华文行楷" panose="02010800040101010101" pitchFamily="2" charset="-122"/>
-            </a:endParaRPr>
-          </a:p>
-        </p:txBody>
-      </p:sp>
-    </p:spTree>
-    <p:extLst>
-      <p:ext uri="{BB962C8B-B14F-4D97-AF65-F5344CB8AC3E}">
-        <p14:creationId xmlns:p14="http://schemas.microsoft.com/office/powerpoint/2010/main" val="3025193284"/>
       </p:ext>
     </p:extLst>
   </p:cSld>
